--- a/hadoop-architecture-brook-queree.pptx
+++ b/hadoop-architecture-brook-queree.pptx
@@ -5,25 +5,26 @@
     <p:sldMasterId id="2147483648" r:id="rId1"/>
   </p:sldMasterIdLst>
   <p:notesMasterIdLst>
-    <p:notesMasterId r:id="rId15"/>
+    <p:notesMasterId r:id="rId16"/>
   </p:notesMasterIdLst>
   <p:handoutMasterIdLst>
-    <p:handoutMasterId r:id="rId16"/>
+    <p:handoutMasterId r:id="rId17"/>
   </p:handoutMasterIdLst>
   <p:sldIdLst>
     <p:sldId id="373" r:id="rId2"/>
     <p:sldId id="391" r:id="rId3"/>
-    <p:sldId id="397" r:id="rId4"/>
-    <p:sldId id="395" r:id="rId5"/>
-    <p:sldId id="394" r:id="rId6"/>
-    <p:sldId id="402" r:id="rId7"/>
-    <p:sldId id="396" r:id="rId8"/>
-    <p:sldId id="398" r:id="rId9"/>
-    <p:sldId id="399" r:id="rId10"/>
-    <p:sldId id="400" r:id="rId11"/>
-    <p:sldId id="393" r:id="rId12"/>
-    <p:sldId id="401" r:id="rId13"/>
-    <p:sldId id="392" r:id="rId14"/>
+    <p:sldId id="402" r:id="rId4"/>
+    <p:sldId id="397" r:id="rId5"/>
+    <p:sldId id="403" r:id="rId6"/>
+    <p:sldId id="395" r:id="rId7"/>
+    <p:sldId id="394" r:id="rId8"/>
+    <p:sldId id="399" r:id="rId9"/>
+    <p:sldId id="404" r:id="rId10"/>
+    <p:sldId id="396" r:id="rId11"/>
+    <p:sldId id="398" r:id="rId12"/>
+    <p:sldId id="400" r:id="rId13"/>
+    <p:sldId id="393" r:id="rId14"/>
+    <p:sldId id="392" r:id="rId15"/>
   </p:sldIdLst>
   <p:sldSz cx="12192000" cy="6858000"/>
   <p:notesSz cx="6797675" cy="9926638"/>
@@ -129,16 +130,17 @@
           <p14:sldIdLst>
             <p14:sldId id="373"/>
             <p14:sldId id="391"/>
+            <p14:sldId id="402"/>
             <p14:sldId id="397"/>
+            <p14:sldId id="403"/>
             <p14:sldId id="395"/>
             <p14:sldId id="394"/>
-            <p14:sldId id="402"/>
+            <p14:sldId id="399"/>
+            <p14:sldId id="404"/>
             <p14:sldId id="396"/>
             <p14:sldId id="398"/>
-            <p14:sldId id="399"/>
             <p14:sldId id="400"/>
             <p14:sldId id="393"/>
-            <p14:sldId id="401"/>
             <p14:sldId id="392"/>
           </p14:sldIdLst>
         </p14:section>
@@ -262,7 +264,7 @@
           <a:p>
             <a:fld id="{412A36AD-C140-47B5-A0AA-2808AF1C1C9D}" type="datetimeFigureOut">
               <a:rPr lang="en-AU" smtClean="0"/>
-              <a:t>11/5/2024</a:t>
+              <a:t>12/5/2024</a:t>
             </a:fld>
             <a:endParaRPr lang="en-AU"/>
           </a:p>
@@ -427,7 +429,7 @@
           <a:p>
             <a:fld id="{2763829E-EB69-4A98-9D54-8D6822520B27}" type="datetimeFigureOut">
               <a:rPr lang="en-AU" smtClean="0"/>
-              <a:t>11/5/2024</a:t>
+              <a:t>12/5/2024</a:t>
             </a:fld>
             <a:endParaRPr lang="en-AU"/>
           </a:p>
@@ -853,7 +855,7 @@
     </p:spTree>
     <p:extLst>
       <p:ext uri="{BB962C8B-B14F-4D97-AF65-F5344CB8AC3E}">
-        <p14:creationId xmlns:p14="http://schemas.microsoft.com/office/powerpoint/2010/main" val="1416037489"/>
+        <p14:creationId xmlns:p14="http://schemas.microsoft.com/office/powerpoint/2010/main" val="2697389523"/>
       </p:ext>
     </p:extLst>
   </p:cSld>
@@ -937,7 +939,7 @@
     </p:spTree>
     <p:extLst>
       <p:ext uri="{BB962C8B-B14F-4D97-AF65-F5344CB8AC3E}">
-        <p14:creationId xmlns:p14="http://schemas.microsoft.com/office/powerpoint/2010/main" val="1355756861"/>
+        <p14:creationId xmlns:p14="http://schemas.microsoft.com/office/powerpoint/2010/main" val="910560382"/>
       </p:ext>
     </p:extLst>
   </p:cSld>
@@ -1021,7 +1023,91 @@
     </p:spTree>
     <p:extLst>
       <p:ext uri="{BB962C8B-B14F-4D97-AF65-F5344CB8AC3E}">
-        <p14:creationId xmlns:p14="http://schemas.microsoft.com/office/powerpoint/2010/main" val="1141595246"/>
+        <p14:creationId xmlns:p14="http://schemas.microsoft.com/office/powerpoint/2010/main" val="1416037489"/>
+      </p:ext>
+    </p:extLst>
+  </p:cSld>
+  <p:clrMapOvr>
+    <a:masterClrMapping/>
+  </p:clrMapOvr>
+</p:notes>
+</file>
+
+<file path=ppt/notesSlides/notesSlide13.xml><?xml version="1.0" encoding="utf-8"?>
+<p:notes xmlns:a="http://schemas.openxmlformats.org/drawingml/2006/main" xmlns:r="http://schemas.openxmlformats.org/officeDocument/2006/relationships" xmlns:p="http://schemas.openxmlformats.org/presentationml/2006/main">
+  <p:cSld>
+    <p:spTree>
+      <p:nvGrpSpPr>
+        <p:cNvPr id="1" name=""/>
+        <p:cNvGrpSpPr/>
+        <p:nvPr/>
+      </p:nvGrpSpPr>
+      <p:grpSpPr>
+        <a:xfrm>
+          <a:off x="0" y="0"/>
+          <a:ext cx="0" cy="0"/>
+          <a:chOff x="0" y="0"/>
+          <a:chExt cx="0" cy="0"/>
+        </a:xfrm>
+      </p:grpSpPr>
+      <p:sp>
+        <p:nvSpPr>
+          <p:cNvPr id="2" name="Slide Image Placeholder 1"/>
+          <p:cNvSpPr>
+            <a:spLocks noGrp="1" noRot="1" noChangeAspect="1"/>
+          </p:cNvSpPr>
+          <p:nvPr>
+            <p:ph type="sldImg"/>
+          </p:nvPr>
+        </p:nvSpPr>
+        <p:spPr/>
+      </p:sp>
+      <p:sp>
+        <p:nvSpPr>
+          <p:cNvPr id="3" name="Notes Placeholder 2"/>
+          <p:cNvSpPr>
+            <a:spLocks noGrp="1"/>
+          </p:cNvSpPr>
+          <p:nvPr>
+            <p:ph type="body" idx="1"/>
+          </p:nvPr>
+        </p:nvSpPr>
+        <p:spPr/>
+        <p:txBody>
+          <a:bodyPr/>
+          <a:lstStyle/>
+          <a:p>
+            <a:endParaRPr lang="en-AU"/>
+          </a:p>
+        </p:txBody>
+      </p:sp>
+      <p:sp>
+        <p:nvSpPr>
+          <p:cNvPr id="4" name="Slide Number Placeholder 3"/>
+          <p:cNvSpPr>
+            <a:spLocks noGrp="1"/>
+          </p:cNvSpPr>
+          <p:nvPr>
+            <p:ph type="sldNum" sz="quarter" idx="10"/>
+          </p:nvPr>
+        </p:nvSpPr>
+        <p:spPr/>
+        <p:txBody>
+          <a:bodyPr/>
+          <a:lstStyle/>
+          <a:p>
+            <a:fld id="{0EF05BAA-92F6-4DEA-A832-E4B15A2F525C}" type="slidenum">
+              <a:rPr lang="en-AU" smtClean="0"/>
+              <a:t>13</a:t>
+            </a:fld>
+            <a:endParaRPr lang="en-AU"/>
+          </a:p>
+        </p:txBody>
+      </p:sp>
+    </p:spTree>
+    <p:extLst>
+      <p:ext uri="{BB962C8B-B14F-4D97-AF65-F5344CB8AC3E}">
+        <p14:creationId xmlns:p14="http://schemas.microsoft.com/office/powerpoint/2010/main" val="1355756861"/>
       </p:ext>
     </p:extLst>
   </p:cSld>
@@ -1189,7 +1275,7 @@
     </p:spTree>
     <p:extLst>
       <p:ext uri="{BB962C8B-B14F-4D97-AF65-F5344CB8AC3E}">
-        <p14:creationId xmlns:p14="http://schemas.microsoft.com/office/powerpoint/2010/main" val="997637606"/>
+        <p14:creationId xmlns:p14="http://schemas.microsoft.com/office/powerpoint/2010/main" val="291380437"/>
       </p:ext>
     </p:extLst>
   </p:cSld>
@@ -1273,7 +1359,7 @@
     </p:spTree>
     <p:extLst>
       <p:ext uri="{BB962C8B-B14F-4D97-AF65-F5344CB8AC3E}">
-        <p14:creationId xmlns:p14="http://schemas.microsoft.com/office/powerpoint/2010/main" val="2285519344"/>
+        <p14:creationId xmlns:p14="http://schemas.microsoft.com/office/powerpoint/2010/main" val="997637606"/>
       </p:ext>
     </p:extLst>
   </p:cSld>
@@ -1357,7 +1443,7 @@
     </p:spTree>
     <p:extLst>
       <p:ext uri="{BB962C8B-B14F-4D97-AF65-F5344CB8AC3E}">
-        <p14:creationId xmlns:p14="http://schemas.microsoft.com/office/powerpoint/2010/main" val="305815858"/>
+        <p14:creationId xmlns:p14="http://schemas.microsoft.com/office/powerpoint/2010/main" val="3038572495"/>
       </p:ext>
     </p:extLst>
   </p:cSld>
@@ -1441,7 +1527,7 @@
     </p:spTree>
     <p:extLst>
       <p:ext uri="{BB962C8B-B14F-4D97-AF65-F5344CB8AC3E}">
-        <p14:creationId xmlns:p14="http://schemas.microsoft.com/office/powerpoint/2010/main" val="291380437"/>
+        <p14:creationId xmlns:p14="http://schemas.microsoft.com/office/powerpoint/2010/main" val="2285519344"/>
       </p:ext>
     </p:extLst>
   </p:cSld>
@@ -1525,7 +1611,7 @@
     </p:spTree>
     <p:extLst>
       <p:ext uri="{BB962C8B-B14F-4D97-AF65-F5344CB8AC3E}">
-        <p14:creationId xmlns:p14="http://schemas.microsoft.com/office/powerpoint/2010/main" val="2697389523"/>
+        <p14:creationId xmlns:p14="http://schemas.microsoft.com/office/powerpoint/2010/main" val="305815858"/>
       </p:ext>
     </p:extLst>
   </p:cSld>
@@ -1609,7 +1695,7 @@
     </p:spTree>
     <p:extLst>
       <p:ext uri="{BB962C8B-B14F-4D97-AF65-F5344CB8AC3E}">
-        <p14:creationId xmlns:p14="http://schemas.microsoft.com/office/powerpoint/2010/main" val="910560382"/>
+        <p14:creationId xmlns:p14="http://schemas.microsoft.com/office/powerpoint/2010/main" val="521118944"/>
       </p:ext>
     </p:extLst>
   </p:cSld>
@@ -1693,7 +1779,7 @@
     </p:spTree>
     <p:extLst>
       <p:ext uri="{BB962C8B-B14F-4D97-AF65-F5344CB8AC3E}">
-        <p14:creationId xmlns:p14="http://schemas.microsoft.com/office/powerpoint/2010/main" val="521118944"/>
+        <p14:creationId xmlns:p14="http://schemas.microsoft.com/office/powerpoint/2010/main" val="2941249967"/>
       </p:ext>
     </p:extLst>
   </p:cSld>
@@ -27867,7 +27953,7 @@
         <p:spPr>
           <a:xfrm>
             <a:off x="4079776" y="141833"/>
-            <a:ext cx="6773008" cy="707886"/>
+            <a:ext cx="7303987" cy="707886"/>
           </a:xfrm>
           <a:prstGeom prst="rect">
             <a:avLst/>
@@ -27885,17 +27971,53 @@
                   <a:schemeClr val="bg1"/>
                 </a:solidFill>
               </a:rPr>
-              <a:t>Deployment: Hadoop Cluster</a:t>
-            </a:r>
+              <a:t>YARN (Resource) Components</a:t>
+            </a:r>
+          </a:p>
+        </p:txBody>
+      </p:sp>
+      <p:sp>
+        <p:nvSpPr>
+          <p:cNvPr id="12" name="TextBox 11">
+            <a:extLst>
+              <a:ext uri="{FF2B5EF4-FFF2-40B4-BE49-F238E27FC236}">
+                <a16:creationId xmlns:a16="http://schemas.microsoft.com/office/drawing/2014/main" id="{3F1821D8-CF65-5A83-57FE-E2A67AC46F28}"/>
+              </a:ext>
+            </a:extLst>
+          </p:cNvPr>
+          <p:cNvSpPr txBox="1"/>
+          <p:nvPr/>
+        </p:nvSpPr>
+        <p:spPr>
+          <a:xfrm>
+            <a:off x="9761627" y="5877272"/>
+            <a:ext cx="441146" cy="369332"/>
+          </a:xfrm>
+          <a:prstGeom prst="rect">
+            <a:avLst/>
+          </a:prstGeom>
+          <a:noFill/>
+        </p:spPr>
+        <p:txBody>
+          <a:bodyPr wrap="none" rtlCol="0">
+            <a:spAutoFit/>
+          </a:bodyPr>
+          <a:lstStyle/>
+          <a:p>
+            <a:r>
+              <a:rPr lang="en-US"/>
+              <a:t>[4]</a:t>
+            </a:r>
+            <a:endParaRPr lang="en-US" dirty="0"/>
           </a:p>
         </p:txBody>
       </p:sp>
       <p:pic>
         <p:nvPicPr>
-          <p:cNvPr id="7" name="Picture 6">
-            <a:extLst>
-              <a:ext uri="{FF2B5EF4-FFF2-40B4-BE49-F238E27FC236}">
-                <a16:creationId xmlns:a16="http://schemas.microsoft.com/office/drawing/2014/main" id="{C3005496-399A-3C93-221A-073EF118A8C1}"/>
+          <p:cNvPr id="2" name="Picture 1">
+            <a:extLst>
+              <a:ext uri="{FF2B5EF4-FFF2-40B4-BE49-F238E27FC236}">
+                <a16:creationId xmlns:a16="http://schemas.microsoft.com/office/drawing/2014/main" id="{FF771E88-B31E-5FE9-2825-60FDC24B6BED}"/>
               </a:ext>
             </a:extLst>
           </p:cNvPr>
@@ -27912,8 +28034,8 @@
         </p:blipFill>
         <p:spPr>
           <a:xfrm>
-            <a:off x="20" y="764703"/>
-            <a:ext cx="12191979" cy="6113423"/>
+            <a:off x="-40632" y="764704"/>
+            <a:ext cx="12232632" cy="6258953"/>
           </a:xfrm>
           <a:prstGeom prst="rect">
             <a:avLst/>
@@ -27923,20 +28045,20 @@
     </p:spTree>
     <p:extLst>
       <p:ext uri="{BB962C8B-B14F-4D97-AF65-F5344CB8AC3E}">
-        <p14:creationId xmlns:p14="http://schemas.microsoft.com/office/powerpoint/2010/main" val="2734560135"/>
+        <p14:creationId xmlns:p14="http://schemas.microsoft.com/office/powerpoint/2010/main" val="1073088584"/>
       </p:ext>
     </p:extLst>
   </p:cSld>
   <p:clrMapOvr>
     <a:masterClrMapping/>
   </p:clrMapOvr>
-  <mc:AlternateContent xmlns:mc="http://schemas.openxmlformats.org/markup-compatibility/2006">
-    <mc:Choice xmlns:p14="http://schemas.microsoft.com/office/powerpoint/2010/main" Requires="p14">
+  <mc:AlternateContent xmlns:mc="http://schemas.openxmlformats.org/markup-compatibility/2006" xmlns:p14="http://schemas.microsoft.com/office/powerpoint/2010/main">
+    <mc:Choice Requires="p14">
       <p:transition spd="med" p14:dur="700">
         <p:fade/>
       </p:transition>
     </mc:Choice>
-    <mc:Fallback>
+    <mc:Fallback xmlns="">
       <p:transition spd="med">
         <p:fade/>
       </p:transition>
@@ -28042,337 +28164,6 @@
       </p:sp>
       <p:sp>
         <p:nvSpPr>
-          <p:cNvPr id="4" name="Rectangle 3"/>
-          <p:cNvSpPr/>
-          <p:nvPr/>
-        </p:nvSpPr>
-        <p:spPr>
-          <a:xfrm>
-            <a:off x="983432" y="1196752"/>
-            <a:ext cx="10297144" cy="4890057"/>
-          </a:xfrm>
-          <a:prstGeom prst="rect">
-            <a:avLst/>
-          </a:prstGeom>
-        </p:spPr>
-        <p:txBody>
-          <a:bodyPr wrap="square">
-            <a:spAutoFit/>
-          </a:bodyPr>
-          <a:lstStyle/>
-          <a:p>
-            <a:pPr>
-              <a:spcAft>
-                <a:spcPts val="0"/>
-              </a:spcAft>
-            </a:pPr>
-            <a:r>
-              <a:rPr lang="en-AU" sz="1400" dirty="0">
-                <a:latin typeface="Arial" panose="020B0604020202020204" pitchFamily="34" charset="0"/>
-                <a:ea typeface="Calibri" panose="020F0502020204030204" pitchFamily="34" charset="0"/>
-                <a:cs typeface="Arial" panose="020B0604020202020204" pitchFamily="34" charset="0"/>
-              </a:rPr>
-              <a:t> </a:t>
-            </a:r>
-            <a:endParaRPr lang="en-AU" sz="1400" dirty="0">
-              <a:latin typeface="Arial" panose="020B0604020202020204" pitchFamily="34" charset="0"/>
-              <a:ea typeface="Calibri" panose="020F0502020204030204" pitchFamily="34" charset="0"/>
-              <a:cs typeface="Times New Roman" panose="02020603050405020304" pitchFamily="18" charset="0"/>
-            </a:endParaRPr>
-          </a:p>
-          <a:p>
-            <a:pPr marL="182563" lvl="0" indent="-182563">
-              <a:lnSpc>
-                <a:spcPct val="107000"/>
-              </a:lnSpc>
-              <a:spcAft>
-                <a:spcPts val="1200"/>
-              </a:spcAft>
-              <a:buSzPts val="1000"/>
-              <a:buFont typeface="Symbol" panose="05050102010706020507" pitchFamily="18" charset="2"/>
-              <a:buChar char=""/>
-            </a:pPr>
-            <a:r>
-              <a:rPr lang="en-AU" dirty="0">
-                <a:latin typeface="Arial" panose="020B0604020202020204" pitchFamily="34" charset="0"/>
-                <a:ea typeface="Calibri" panose="020F0502020204030204" pitchFamily="34" charset="0"/>
-                <a:cs typeface="Arial" panose="020B0604020202020204" pitchFamily="34" charset="0"/>
-              </a:rPr>
-              <a:t>Business, Economics and Law (BEL) - </a:t>
-            </a:r>
-            <a:r>
-              <a:rPr lang="en-AU" u="sng" dirty="0">
-                <a:latin typeface="Arial" panose="020B0604020202020204" pitchFamily="34" charset="0"/>
-                <a:ea typeface="Calibri" panose="020F0502020204030204" pitchFamily="34" charset="0"/>
-                <a:cs typeface="Arial" panose="020B0604020202020204" pitchFamily="34" charset="0"/>
-                <a:hlinkClick r:id="rId3"/>
-              </a:rPr>
-              <a:t>capbel@uq.edu.au</a:t>
-            </a:r>
-            <a:endParaRPr lang="en-AU" dirty="0">
-              <a:latin typeface="Arial" panose="020B0604020202020204" pitchFamily="34" charset="0"/>
-              <a:ea typeface="Calibri" panose="020F0502020204030204" pitchFamily="34" charset="0"/>
-              <a:cs typeface="Times New Roman" panose="02020603050405020304" pitchFamily="18" charset="0"/>
-            </a:endParaRPr>
-          </a:p>
-          <a:p>
-            <a:pPr marL="182563" lvl="0" indent="-182563">
-              <a:lnSpc>
-                <a:spcPct val="107000"/>
-              </a:lnSpc>
-              <a:spcAft>
-                <a:spcPts val="1200"/>
-              </a:spcAft>
-              <a:buSzPts val="1000"/>
-              <a:buFont typeface="Symbol" panose="05050102010706020507" pitchFamily="18" charset="2"/>
-              <a:buChar char=""/>
-            </a:pPr>
-            <a:r>
-              <a:rPr lang="en-AU" dirty="0">
-                <a:latin typeface="Arial" panose="020B0604020202020204" pitchFamily="34" charset="0"/>
-                <a:ea typeface="Calibri" panose="020F0502020204030204" pitchFamily="34" charset="0"/>
-                <a:cs typeface="Arial" panose="020B0604020202020204" pitchFamily="34" charset="0"/>
-              </a:rPr>
-              <a:t>Engineering, Architecture and Information Technology (EAIT), Australian Institute for Bioengineering and Nanotechnology and Sustainable Minerals Institute - </a:t>
-            </a:r>
-            <a:r>
-              <a:rPr lang="en-AU" u="sng" dirty="0">
-                <a:solidFill>
-                  <a:srgbClr val="0563C1"/>
-                </a:solidFill>
-                <a:latin typeface="Arial" panose="020B0604020202020204" pitchFamily="34" charset="0"/>
-                <a:ea typeface="Calibri" panose="020F0502020204030204" pitchFamily="34" charset="0"/>
-                <a:cs typeface="Arial" panose="020B0604020202020204" pitchFamily="34" charset="0"/>
-                <a:hlinkClick r:id="rId4"/>
-              </a:rPr>
-              <a:t>capeait@uq.edu.au</a:t>
-            </a:r>
-            <a:endParaRPr lang="en-AU" dirty="0">
-              <a:latin typeface="Arial" panose="020B0604020202020204" pitchFamily="34" charset="0"/>
-              <a:ea typeface="Calibri" panose="020F0502020204030204" pitchFamily="34" charset="0"/>
-              <a:cs typeface="Times New Roman" panose="02020603050405020304" pitchFamily="18" charset="0"/>
-            </a:endParaRPr>
-          </a:p>
-          <a:p>
-            <a:pPr marL="182563" lvl="0" indent="-182563">
-              <a:lnSpc>
-                <a:spcPct val="107000"/>
-              </a:lnSpc>
-              <a:spcAft>
-                <a:spcPts val="1200"/>
-              </a:spcAft>
-              <a:buSzPts val="1000"/>
-              <a:buFont typeface="Symbol" panose="05050102010706020507" pitchFamily="18" charset="2"/>
-              <a:buChar char=""/>
-            </a:pPr>
-            <a:r>
-              <a:rPr lang="en-AU" dirty="0">
-                <a:latin typeface="Arial" panose="020B0604020202020204" pitchFamily="34" charset="0"/>
-                <a:ea typeface="Calibri" panose="020F0502020204030204" pitchFamily="34" charset="0"/>
-                <a:cs typeface="Arial" panose="020B0604020202020204" pitchFamily="34" charset="0"/>
-              </a:rPr>
-              <a:t>Health and Behavioural Sciences (HABS) – </a:t>
-            </a:r>
-            <a:r>
-              <a:rPr lang="en-AU" u="sng" dirty="0">
-                <a:solidFill>
-                  <a:srgbClr val="0563C1"/>
-                </a:solidFill>
-                <a:latin typeface="Arial" panose="020B0604020202020204" pitchFamily="34" charset="0"/>
-                <a:ea typeface="Calibri" panose="020F0502020204030204" pitchFamily="34" charset="0"/>
-                <a:cs typeface="Arial" panose="020B0604020202020204" pitchFamily="34" charset="0"/>
-                <a:hlinkClick r:id="rId5"/>
-              </a:rPr>
-              <a:t>caphabs@uq.edu.au</a:t>
-            </a:r>
-            <a:endParaRPr lang="en-AU" dirty="0">
-              <a:latin typeface="Arial" panose="020B0604020202020204" pitchFamily="34" charset="0"/>
-              <a:ea typeface="Calibri" panose="020F0502020204030204" pitchFamily="34" charset="0"/>
-              <a:cs typeface="Times New Roman" panose="02020603050405020304" pitchFamily="18" charset="0"/>
-            </a:endParaRPr>
-          </a:p>
-          <a:p>
-            <a:pPr marL="182563" lvl="0" indent="-182563">
-              <a:lnSpc>
-                <a:spcPct val="107000"/>
-              </a:lnSpc>
-              <a:spcAft>
-                <a:spcPts val="1200"/>
-              </a:spcAft>
-              <a:buSzPts val="1000"/>
-              <a:buFont typeface="Symbol" panose="05050102010706020507" pitchFamily="18" charset="2"/>
-              <a:buChar char=""/>
-            </a:pPr>
-            <a:r>
-              <a:rPr lang="en-AU" dirty="0">
-                <a:latin typeface="Arial" panose="020B0604020202020204" pitchFamily="34" charset="0"/>
-                <a:ea typeface="Calibri" panose="020F0502020204030204" pitchFamily="34" charset="0"/>
-                <a:cs typeface="Arial" panose="020B0604020202020204" pitchFamily="34" charset="0"/>
-              </a:rPr>
-              <a:t>Humanities and Social Sciences (HASS), Institute for Teaching and Learning Innovation, Aboriginal and Torres Strait Islander Studies Unit - </a:t>
-            </a:r>
-            <a:r>
-              <a:rPr lang="en-AU" u="sng" dirty="0">
-                <a:solidFill>
-                  <a:srgbClr val="0563C1"/>
-                </a:solidFill>
-                <a:latin typeface="Arial" panose="020B0604020202020204" pitchFamily="34" charset="0"/>
-                <a:ea typeface="Calibri" panose="020F0502020204030204" pitchFamily="34" charset="0"/>
-                <a:cs typeface="Arial" panose="020B0604020202020204" pitchFamily="34" charset="0"/>
-                <a:hlinkClick r:id="rId6"/>
-              </a:rPr>
-              <a:t>caphass@uq.edu.au</a:t>
-            </a:r>
-            <a:endParaRPr lang="en-AU" dirty="0">
-              <a:latin typeface="Arial" panose="020B0604020202020204" pitchFamily="34" charset="0"/>
-              <a:ea typeface="Calibri" panose="020F0502020204030204" pitchFamily="34" charset="0"/>
-              <a:cs typeface="Times New Roman" panose="02020603050405020304" pitchFamily="18" charset="0"/>
-            </a:endParaRPr>
-          </a:p>
-          <a:p>
-            <a:pPr marL="182563" lvl="0" indent="-182563">
-              <a:lnSpc>
-                <a:spcPct val="107000"/>
-              </a:lnSpc>
-              <a:spcAft>
-                <a:spcPts val="1200"/>
-              </a:spcAft>
-              <a:buSzPts val="1000"/>
-              <a:buFont typeface="Symbol" panose="05050102010706020507" pitchFamily="18" charset="2"/>
-              <a:buChar char=""/>
-            </a:pPr>
-            <a:r>
-              <a:rPr lang="en-AU" dirty="0">
-                <a:latin typeface="Arial" panose="020B0604020202020204" pitchFamily="34" charset="0"/>
-                <a:ea typeface="Calibri" panose="020F0502020204030204" pitchFamily="34" charset="0"/>
-                <a:cs typeface="Arial" panose="020B0604020202020204" pitchFamily="34" charset="0"/>
-              </a:rPr>
-              <a:t>MEDICINE, Institute for Molecular Bioscience, Queensland Brain Institute - </a:t>
-            </a:r>
-            <a:r>
-              <a:rPr lang="en-AU" u="sng" dirty="0">
-                <a:solidFill>
-                  <a:srgbClr val="0563C1"/>
-                </a:solidFill>
-                <a:latin typeface="Arial" panose="020B0604020202020204" pitchFamily="34" charset="0"/>
-                <a:ea typeface="Calibri" panose="020F0502020204030204" pitchFamily="34" charset="0"/>
-                <a:cs typeface="Arial" panose="020B0604020202020204" pitchFamily="34" charset="0"/>
-                <a:hlinkClick r:id="rId7"/>
-              </a:rPr>
-              <a:t>capmed@uq.edu.au</a:t>
-            </a:r>
-            <a:endParaRPr lang="en-AU" dirty="0">
-              <a:latin typeface="Arial" panose="020B0604020202020204" pitchFamily="34" charset="0"/>
-              <a:ea typeface="Calibri" panose="020F0502020204030204" pitchFamily="34" charset="0"/>
-              <a:cs typeface="Times New Roman" panose="02020603050405020304" pitchFamily="18" charset="0"/>
-            </a:endParaRPr>
-          </a:p>
-          <a:p>
-            <a:pPr marL="182563" lvl="0" indent="-182563">
-              <a:lnSpc>
-                <a:spcPct val="107000"/>
-              </a:lnSpc>
-              <a:spcAft>
-                <a:spcPts val="1200"/>
-              </a:spcAft>
-              <a:buSzPts val="1000"/>
-              <a:buFont typeface="Symbol" panose="05050102010706020507" pitchFamily="18" charset="2"/>
-              <a:buChar char=""/>
-            </a:pPr>
-            <a:r>
-              <a:rPr lang="en-AU" dirty="0">
-                <a:latin typeface="Arial" panose="020B0604020202020204" pitchFamily="34" charset="0"/>
-                <a:ea typeface="Calibri" panose="020F0502020204030204" pitchFamily="34" charset="0"/>
-                <a:cs typeface="Arial" panose="020B0604020202020204" pitchFamily="34" charset="0"/>
-              </a:rPr>
-              <a:t>SCIENCE, Centre for Advanced Imaging, Queensland Agriculture and Food Innovation, Global Change Institute, Centre for Microscopy &amp; Microanalysis, Terrestrial Ecosystem Research Network, Australian Equine Genetics Research Centre - </a:t>
-            </a:r>
-            <a:r>
-              <a:rPr lang="en-AU" u="sng" dirty="0">
-                <a:solidFill>
-                  <a:srgbClr val="0563C1"/>
-                </a:solidFill>
-                <a:latin typeface="Arial" panose="020B0604020202020204" pitchFamily="34" charset="0"/>
-                <a:ea typeface="Calibri" panose="020F0502020204030204" pitchFamily="34" charset="0"/>
-                <a:cs typeface="Arial" panose="020B0604020202020204" pitchFamily="34" charset="0"/>
-                <a:hlinkClick r:id="rId8"/>
-              </a:rPr>
-              <a:t>capscience@uq.edu.au</a:t>
-            </a:r>
-            <a:endParaRPr lang="en-AU" u="sng" dirty="0">
-              <a:solidFill>
-                <a:srgbClr val="0563C1"/>
-              </a:solidFill>
-              <a:latin typeface="Arial" panose="020B0604020202020204" pitchFamily="34" charset="0"/>
-              <a:ea typeface="Calibri" panose="020F0502020204030204" pitchFamily="34" charset="0"/>
-              <a:cs typeface="Arial" panose="020B0604020202020204" pitchFamily="34" charset="0"/>
-            </a:endParaRPr>
-          </a:p>
-          <a:p>
-            <a:pPr marL="182563" lvl="0" indent="-182563">
-              <a:lnSpc>
-                <a:spcPct val="107000"/>
-              </a:lnSpc>
-              <a:spcAft>
-                <a:spcPts val="800"/>
-              </a:spcAft>
-              <a:buSzPts val="1000"/>
-              <a:buFont typeface="Symbol" panose="05050102010706020507" pitchFamily="18" charset="2"/>
-              <a:buChar char=""/>
-            </a:pPr>
-            <a:endParaRPr lang="en-AU" u="sng" dirty="0">
-              <a:solidFill>
-                <a:srgbClr val="0563C1"/>
-              </a:solidFill>
-              <a:latin typeface="Arial" panose="020B0604020202020204" pitchFamily="34" charset="0"/>
-              <a:ea typeface="Calibri" panose="020F0502020204030204" pitchFamily="34" charset="0"/>
-              <a:cs typeface="Arial" panose="020B0604020202020204" pitchFamily="34" charset="0"/>
-            </a:endParaRPr>
-          </a:p>
-          <a:p>
-            <a:pPr marL="182563" lvl="0" indent="-182563">
-              <a:lnSpc>
-                <a:spcPct val="107000"/>
-              </a:lnSpc>
-              <a:spcAft>
-                <a:spcPts val="800"/>
-              </a:spcAft>
-              <a:buSzPts val="1000"/>
-              <a:buFont typeface="Symbol" panose="05050102010706020507" pitchFamily="18" charset="2"/>
-              <a:buChar char=""/>
-            </a:pPr>
-            <a:r>
-              <a:rPr lang="en-AU" dirty="0">
-                <a:solidFill>
-                  <a:srgbClr val="0563C1"/>
-                </a:solidFill>
-                <a:latin typeface="Arial" panose="020B0604020202020204" pitchFamily="34" charset="0"/>
-                <a:ea typeface="Calibri" panose="020F0502020204030204" pitchFamily="34" charset="0"/>
-                <a:cs typeface="Arial" panose="020B0604020202020204" pitchFamily="34" charset="0"/>
-              </a:rPr>
-              <a:t>Central:   </a:t>
-            </a:r>
-            <a:r>
-              <a:rPr lang="en-AU" u="sng" dirty="0">
-                <a:solidFill>
-                  <a:srgbClr val="0563C1"/>
-                </a:solidFill>
-                <a:latin typeface="Arial" panose="020B0604020202020204" pitchFamily="34" charset="0"/>
-                <a:ea typeface="Calibri" panose="020F0502020204030204" pitchFamily="34" charset="0"/>
-                <a:cs typeface="Arial" panose="020B0604020202020204" pitchFamily="34" charset="0"/>
-              </a:rPr>
-              <a:t>cap@uq.edu.au</a:t>
-            </a:r>
-            <a:endParaRPr lang="en-AU" dirty="0">
-              <a:latin typeface="Arial" panose="020B0604020202020204" pitchFamily="34" charset="0"/>
-              <a:ea typeface="Calibri" panose="020F0502020204030204" pitchFamily="34" charset="0"/>
-              <a:cs typeface="Times New Roman" panose="02020603050405020304" pitchFamily="18" charset="0"/>
-            </a:endParaRPr>
-          </a:p>
-        </p:txBody>
-      </p:sp>
-      <p:sp>
-        <p:nvSpPr>
           <p:cNvPr id="8" name="Rectangle 7"/>
           <p:cNvSpPr/>
           <p:nvPr/>
@@ -28380,7 +28171,7 @@
         <p:spPr>
           <a:xfrm>
             <a:off x="4079776" y="141833"/>
-            <a:ext cx="5573962" cy="707886"/>
+            <a:ext cx="6200736" cy="707886"/>
           </a:xfrm>
           <a:prstGeom prst="rect">
             <a:avLst/>
@@ -28398,28 +28189,58 @@
                   <a:schemeClr val="bg1"/>
                 </a:solidFill>
               </a:rPr>
-              <a:t>Committees &amp; Contacts</a:t>
-            </a:r>
-          </a:p>
-        </p:txBody>
-      </p:sp>
+              <a:t>HDFS (Data) Components</a:t>
+            </a:r>
+          </a:p>
+        </p:txBody>
+      </p:sp>
+      <p:pic>
+        <p:nvPicPr>
+          <p:cNvPr id="7" name="Picture 6">
+            <a:extLst>
+              <a:ext uri="{FF2B5EF4-FFF2-40B4-BE49-F238E27FC236}">
+                <a16:creationId xmlns:a16="http://schemas.microsoft.com/office/drawing/2014/main" id="{B36F2E57-A875-AC8D-7D92-181F58881CC0}"/>
+              </a:ext>
+            </a:extLst>
+          </p:cNvPr>
+          <p:cNvPicPr>
+            <a:picLocks noChangeAspect="1"/>
+          </p:cNvPicPr>
+          <p:nvPr/>
+        </p:nvPicPr>
+        <p:blipFill>
+          <a:blip r:embed="rId3"/>
+          <a:stretch>
+            <a:fillRect/>
+          </a:stretch>
+        </p:blipFill>
+        <p:spPr>
+          <a:xfrm>
+            <a:off x="-31774" y="764704"/>
+            <a:ext cx="12320462" cy="6145819"/>
+          </a:xfrm>
+          <a:prstGeom prst="rect">
+            <a:avLst/>
+          </a:prstGeom>
+        </p:spPr>
+      </p:pic>
     </p:spTree>
     <p:extLst>
       <p:ext uri="{BB962C8B-B14F-4D97-AF65-F5344CB8AC3E}">
-        <p14:creationId xmlns:p14="http://schemas.microsoft.com/office/powerpoint/2010/main" val="1840127491"/>
+        <p14:creationId xmlns:p14="http://schemas.microsoft.com/office/powerpoint/2010/main" val="1296390611"/>
       </p:ext>
     </p:extLst>
   </p:cSld>
   <p:clrMapOvr>
     <a:masterClrMapping/>
   </p:clrMapOvr>
-  <mc:AlternateContent xmlns:mc="http://schemas.openxmlformats.org/markup-compatibility/2006">
-    <mc:Choice xmlns:p14="http://schemas.microsoft.com/office/powerpoint/2010/main" Requires="p14">
+  <mc:AlternateContent xmlns:mc="http://schemas.openxmlformats.org/markup-compatibility/2006" xmlns:p14="http://schemas.microsoft.com/office/powerpoint/2010/main">
+    <mc:Choice Requires="p14">
       <p:transition spd="med" p14:dur="700">
         <p:fade/>
       </p:transition>
     </mc:Choice>
-    <mc:Fallback>
+    <mc:Fallback xmlns="">
       <p:transition spd="med">
         <p:fade/>
       </p:transition>
@@ -28525,337 +28346,6 @@
       </p:sp>
       <p:sp>
         <p:nvSpPr>
-          <p:cNvPr id="4" name="Rectangle 3"/>
-          <p:cNvSpPr/>
-          <p:nvPr/>
-        </p:nvSpPr>
-        <p:spPr>
-          <a:xfrm>
-            <a:off x="983432" y="1196752"/>
-            <a:ext cx="10297144" cy="4890057"/>
-          </a:xfrm>
-          <a:prstGeom prst="rect">
-            <a:avLst/>
-          </a:prstGeom>
-        </p:spPr>
-        <p:txBody>
-          <a:bodyPr wrap="square">
-            <a:spAutoFit/>
-          </a:bodyPr>
-          <a:lstStyle/>
-          <a:p>
-            <a:pPr>
-              <a:spcAft>
-                <a:spcPts val="0"/>
-              </a:spcAft>
-            </a:pPr>
-            <a:r>
-              <a:rPr lang="en-AU" sz="1400" dirty="0">
-                <a:latin typeface="Arial" panose="020B0604020202020204" pitchFamily="34" charset="0"/>
-                <a:ea typeface="Calibri" panose="020F0502020204030204" pitchFamily="34" charset="0"/>
-                <a:cs typeface="Arial" panose="020B0604020202020204" pitchFamily="34" charset="0"/>
-              </a:rPr>
-              <a:t> </a:t>
-            </a:r>
-            <a:endParaRPr lang="en-AU" sz="1400" dirty="0">
-              <a:latin typeface="Arial" panose="020B0604020202020204" pitchFamily="34" charset="0"/>
-              <a:ea typeface="Calibri" panose="020F0502020204030204" pitchFamily="34" charset="0"/>
-              <a:cs typeface="Times New Roman" panose="02020603050405020304" pitchFamily="18" charset="0"/>
-            </a:endParaRPr>
-          </a:p>
-          <a:p>
-            <a:pPr marL="182563" lvl="0" indent="-182563">
-              <a:lnSpc>
-                <a:spcPct val="107000"/>
-              </a:lnSpc>
-              <a:spcAft>
-                <a:spcPts val="1200"/>
-              </a:spcAft>
-              <a:buSzPts val="1000"/>
-              <a:buFont typeface="Symbol" panose="05050102010706020507" pitchFamily="18" charset="2"/>
-              <a:buChar char=""/>
-            </a:pPr>
-            <a:r>
-              <a:rPr lang="en-AU" dirty="0">
-                <a:latin typeface="Arial" panose="020B0604020202020204" pitchFamily="34" charset="0"/>
-                <a:ea typeface="Calibri" panose="020F0502020204030204" pitchFamily="34" charset="0"/>
-                <a:cs typeface="Arial" panose="020B0604020202020204" pitchFamily="34" charset="0"/>
-              </a:rPr>
-              <a:t>Business, Economics and Law (BEL) - </a:t>
-            </a:r>
-            <a:r>
-              <a:rPr lang="en-AU" u="sng" dirty="0">
-                <a:latin typeface="Arial" panose="020B0604020202020204" pitchFamily="34" charset="0"/>
-                <a:ea typeface="Calibri" panose="020F0502020204030204" pitchFamily="34" charset="0"/>
-                <a:cs typeface="Arial" panose="020B0604020202020204" pitchFamily="34" charset="0"/>
-                <a:hlinkClick r:id="rId3"/>
-              </a:rPr>
-              <a:t>capbel@uq.edu.au</a:t>
-            </a:r>
-            <a:endParaRPr lang="en-AU" dirty="0">
-              <a:latin typeface="Arial" panose="020B0604020202020204" pitchFamily="34" charset="0"/>
-              <a:ea typeface="Calibri" panose="020F0502020204030204" pitchFamily="34" charset="0"/>
-              <a:cs typeface="Times New Roman" panose="02020603050405020304" pitchFamily="18" charset="0"/>
-            </a:endParaRPr>
-          </a:p>
-          <a:p>
-            <a:pPr marL="182563" lvl="0" indent="-182563">
-              <a:lnSpc>
-                <a:spcPct val="107000"/>
-              </a:lnSpc>
-              <a:spcAft>
-                <a:spcPts val="1200"/>
-              </a:spcAft>
-              <a:buSzPts val="1000"/>
-              <a:buFont typeface="Symbol" panose="05050102010706020507" pitchFamily="18" charset="2"/>
-              <a:buChar char=""/>
-            </a:pPr>
-            <a:r>
-              <a:rPr lang="en-AU" dirty="0">
-                <a:latin typeface="Arial" panose="020B0604020202020204" pitchFamily="34" charset="0"/>
-                <a:ea typeface="Calibri" panose="020F0502020204030204" pitchFamily="34" charset="0"/>
-                <a:cs typeface="Arial" panose="020B0604020202020204" pitchFamily="34" charset="0"/>
-              </a:rPr>
-              <a:t>Engineering, Architecture and Information Technology (EAIT), Australian Institute for Bioengineering and Nanotechnology and Sustainable Minerals Institute - </a:t>
-            </a:r>
-            <a:r>
-              <a:rPr lang="en-AU" u="sng" dirty="0">
-                <a:solidFill>
-                  <a:srgbClr val="0563C1"/>
-                </a:solidFill>
-                <a:latin typeface="Arial" panose="020B0604020202020204" pitchFamily="34" charset="0"/>
-                <a:ea typeface="Calibri" panose="020F0502020204030204" pitchFamily="34" charset="0"/>
-                <a:cs typeface="Arial" panose="020B0604020202020204" pitchFamily="34" charset="0"/>
-                <a:hlinkClick r:id="rId4"/>
-              </a:rPr>
-              <a:t>capeait@uq.edu.au</a:t>
-            </a:r>
-            <a:endParaRPr lang="en-AU" dirty="0">
-              <a:latin typeface="Arial" panose="020B0604020202020204" pitchFamily="34" charset="0"/>
-              <a:ea typeface="Calibri" panose="020F0502020204030204" pitchFamily="34" charset="0"/>
-              <a:cs typeface="Times New Roman" panose="02020603050405020304" pitchFamily="18" charset="0"/>
-            </a:endParaRPr>
-          </a:p>
-          <a:p>
-            <a:pPr marL="182563" lvl="0" indent="-182563">
-              <a:lnSpc>
-                <a:spcPct val="107000"/>
-              </a:lnSpc>
-              <a:spcAft>
-                <a:spcPts val="1200"/>
-              </a:spcAft>
-              <a:buSzPts val="1000"/>
-              <a:buFont typeface="Symbol" panose="05050102010706020507" pitchFamily="18" charset="2"/>
-              <a:buChar char=""/>
-            </a:pPr>
-            <a:r>
-              <a:rPr lang="en-AU" dirty="0">
-                <a:latin typeface="Arial" panose="020B0604020202020204" pitchFamily="34" charset="0"/>
-                <a:ea typeface="Calibri" panose="020F0502020204030204" pitchFamily="34" charset="0"/>
-                <a:cs typeface="Arial" panose="020B0604020202020204" pitchFamily="34" charset="0"/>
-              </a:rPr>
-              <a:t>Health and Behavioural Sciences (HABS) – </a:t>
-            </a:r>
-            <a:r>
-              <a:rPr lang="en-AU" u="sng" dirty="0">
-                <a:solidFill>
-                  <a:srgbClr val="0563C1"/>
-                </a:solidFill>
-                <a:latin typeface="Arial" panose="020B0604020202020204" pitchFamily="34" charset="0"/>
-                <a:ea typeface="Calibri" panose="020F0502020204030204" pitchFamily="34" charset="0"/>
-                <a:cs typeface="Arial" panose="020B0604020202020204" pitchFamily="34" charset="0"/>
-                <a:hlinkClick r:id="rId5"/>
-              </a:rPr>
-              <a:t>caphabs@uq.edu.au</a:t>
-            </a:r>
-            <a:endParaRPr lang="en-AU" dirty="0">
-              <a:latin typeface="Arial" panose="020B0604020202020204" pitchFamily="34" charset="0"/>
-              <a:ea typeface="Calibri" panose="020F0502020204030204" pitchFamily="34" charset="0"/>
-              <a:cs typeface="Times New Roman" panose="02020603050405020304" pitchFamily="18" charset="0"/>
-            </a:endParaRPr>
-          </a:p>
-          <a:p>
-            <a:pPr marL="182563" lvl="0" indent="-182563">
-              <a:lnSpc>
-                <a:spcPct val="107000"/>
-              </a:lnSpc>
-              <a:spcAft>
-                <a:spcPts val="1200"/>
-              </a:spcAft>
-              <a:buSzPts val="1000"/>
-              <a:buFont typeface="Symbol" panose="05050102010706020507" pitchFamily="18" charset="2"/>
-              <a:buChar char=""/>
-            </a:pPr>
-            <a:r>
-              <a:rPr lang="en-AU" dirty="0">
-                <a:latin typeface="Arial" panose="020B0604020202020204" pitchFamily="34" charset="0"/>
-                <a:ea typeface="Calibri" panose="020F0502020204030204" pitchFamily="34" charset="0"/>
-                <a:cs typeface="Arial" panose="020B0604020202020204" pitchFamily="34" charset="0"/>
-              </a:rPr>
-              <a:t>Humanities and Social Sciences (HASS), Institute for Teaching and Learning Innovation, Aboriginal and Torres Strait Islander Studies Unit - </a:t>
-            </a:r>
-            <a:r>
-              <a:rPr lang="en-AU" u="sng" dirty="0">
-                <a:solidFill>
-                  <a:srgbClr val="0563C1"/>
-                </a:solidFill>
-                <a:latin typeface="Arial" panose="020B0604020202020204" pitchFamily="34" charset="0"/>
-                <a:ea typeface="Calibri" panose="020F0502020204030204" pitchFamily="34" charset="0"/>
-                <a:cs typeface="Arial" panose="020B0604020202020204" pitchFamily="34" charset="0"/>
-                <a:hlinkClick r:id="rId6"/>
-              </a:rPr>
-              <a:t>caphass@uq.edu.au</a:t>
-            </a:r>
-            <a:endParaRPr lang="en-AU" dirty="0">
-              <a:latin typeface="Arial" panose="020B0604020202020204" pitchFamily="34" charset="0"/>
-              <a:ea typeface="Calibri" panose="020F0502020204030204" pitchFamily="34" charset="0"/>
-              <a:cs typeface="Times New Roman" panose="02020603050405020304" pitchFamily="18" charset="0"/>
-            </a:endParaRPr>
-          </a:p>
-          <a:p>
-            <a:pPr marL="182563" lvl="0" indent="-182563">
-              <a:lnSpc>
-                <a:spcPct val="107000"/>
-              </a:lnSpc>
-              <a:spcAft>
-                <a:spcPts val="1200"/>
-              </a:spcAft>
-              <a:buSzPts val="1000"/>
-              <a:buFont typeface="Symbol" panose="05050102010706020507" pitchFamily="18" charset="2"/>
-              <a:buChar char=""/>
-            </a:pPr>
-            <a:r>
-              <a:rPr lang="en-AU" dirty="0">
-                <a:latin typeface="Arial" panose="020B0604020202020204" pitchFamily="34" charset="0"/>
-                <a:ea typeface="Calibri" panose="020F0502020204030204" pitchFamily="34" charset="0"/>
-                <a:cs typeface="Arial" panose="020B0604020202020204" pitchFamily="34" charset="0"/>
-              </a:rPr>
-              <a:t>MEDICINE, Institute for Molecular Bioscience, Queensland Brain Institute - </a:t>
-            </a:r>
-            <a:r>
-              <a:rPr lang="en-AU" u="sng" dirty="0">
-                <a:solidFill>
-                  <a:srgbClr val="0563C1"/>
-                </a:solidFill>
-                <a:latin typeface="Arial" panose="020B0604020202020204" pitchFamily="34" charset="0"/>
-                <a:ea typeface="Calibri" panose="020F0502020204030204" pitchFamily="34" charset="0"/>
-                <a:cs typeface="Arial" panose="020B0604020202020204" pitchFamily="34" charset="0"/>
-                <a:hlinkClick r:id="rId7"/>
-              </a:rPr>
-              <a:t>capmed@uq.edu.au</a:t>
-            </a:r>
-            <a:endParaRPr lang="en-AU" dirty="0">
-              <a:latin typeface="Arial" panose="020B0604020202020204" pitchFamily="34" charset="0"/>
-              <a:ea typeface="Calibri" panose="020F0502020204030204" pitchFamily="34" charset="0"/>
-              <a:cs typeface="Times New Roman" panose="02020603050405020304" pitchFamily="18" charset="0"/>
-            </a:endParaRPr>
-          </a:p>
-          <a:p>
-            <a:pPr marL="182563" lvl="0" indent="-182563">
-              <a:lnSpc>
-                <a:spcPct val="107000"/>
-              </a:lnSpc>
-              <a:spcAft>
-                <a:spcPts val="1200"/>
-              </a:spcAft>
-              <a:buSzPts val="1000"/>
-              <a:buFont typeface="Symbol" panose="05050102010706020507" pitchFamily="18" charset="2"/>
-              <a:buChar char=""/>
-            </a:pPr>
-            <a:r>
-              <a:rPr lang="en-AU" dirty="0">
-                <a:latin typeface="Arial" panose="020B0604020202020204" pitchFamily="34" charset="0"/>
-                <a:ea typeface="Calibri" panose="020F0502020204030204" pitchFamily="34" charset="0"/>
-                <a:cs typeface="Arial" panose="020B0604020202020204" pitchFamily="34" charset="0"/>
-              </a:rPr>
-              <a:t>SCIENCE, Centre for Advanced Imaging, Queensland Agriculture and Food Innovation, Global Change Institute, Centre for Microscopy &amp; Microanalysis, Terrestrial Ecosystem Research Network, Australian Equine Genetics Research Centre - </a:t>
-            </a:r>
-            <a:r>
-              <a:rPr lang="en-AU" u="sng" dirty="0">
-                <a:solidFill>
-                  <a:srgbClr val="0563C1"/>
-                </a:solidFill>
-                <a:latin typeface="Arial" panose="020B0604020202020204" pitchFamily="34" charset="0"/>
-                <a:ea typeface="Calibri" panose="020F0502020204030204" pitchFamily="34" charset="0"/>
-                <a:cs typeface="Arial" panose="020B0604020202020204" pitchFamily="34" charset="0"/>
-                <a:hlinkClick r:id="rId8"/>
-              </a:rPr>
-              <a:t>capscience@uq.edu.au</a:t>
-            </a:r>
-            <a:endParaRPr lang="en-AU" u="sng" dirty="0">
-              <a:solidFill>
-                <a:srgbClr val="0563C1"/>
-              </a:solidFill>
-              <a:latin typeface="Arial" panose="020B0604020202020204" pitchFamily="34" charset="0"/>
-              <a:ea typeface="Calibri" panose="020F0502020204030204" pitchFamily="34" charset="0"/>
-              <a:cs typeface="Arial" panose="020B0604020202020204" pitchFamily="34" charset="0"/>
-            </a:endParaRPr>
-          </a:p>
-          <a:p>
-            <a:pPr marL="182563" lvl="0" indent="-182563">
-              <a:lnSpc>
-                <a:spcPct val="107000"/>
-              </a:lnSpc>
-              <a:spcAft>
-                <a:spcPts val="800"/>
-              </a:spcAft>
-              <a:buSzPts val="1000"/>
-              <a:buFont typeface="Symbol" panose="05050102010706020507" pitchFamily="18" charset="2"/>
-              <a:buChar char=""/>
-            </a:pPr>
-            <a:endParaRPr lang="en-AU" u="sng" dirty="0">
-              <a:solidFill>
-                <a:srgbClr val="0563C1"/>
-              </a:solidFill>
-              <a:latin typeface="Arial" panose="020B0604020202020204" pitchFamily="34" charset="0"/>
-              <a:ea typeface="Calibri" panose="020F0502020204030204" pitchFamily="34" charset="0"/>
-              <a:cs typeface="Arial" panose="020B0604020202020204" pitchFamily="34" charset="0"/>
-            </a:endParaRPr>
-          </a:p>
-          <a:p>
-            <a:pPr marL="182563" lvl="0" indent="-182563">
-              <a:lnSpc>
-                <a:spcPct val="107000"/>
-              </a:lnSpc>
-              <a:spcAft>
-                <a:spcPts val="800"/>
-              </a:spcAft>
-              <a:buSzPts val="1000"/>
-              <a:buFont typeface="Symbol" panose="05050102010706020507" pitchFamily="18" charset="2"/>
-              <a:buChar char=""/>
-            </a:pPr>
-            <a:r>
-              <a:rPr lang="en-AU" dirty="0">
-                <a:solidFill>
-                  <a:srgbClr val="0563C1"/>
-                </a:solidFill>
-                <a:latin typeface="Arial" panose="020B0604020202020204" pitchFamily="34" charset="0"/>
-                <a:ea typeface="Calibri" panose="020F0502020204030204" pitchFamily="34" charset="0"/>
-                <a:cs typeface="Arial" panose="020B0604020202020204" pitchFamily="34" charset="0"/>
-              </a:rPr>
-              <a:t>Central:   </a:t>
-            </a:r>
-            <a:r>
-              <a:rPr lang="en-AU" u="sng" dirty="0">
-                <a:solidFill>
-                  <a:srgbClr val="0563C1"/>
-                </a:solidFill>
-                <a:latin typeface="Arial" panose="020B0604020202020204" pitchFamily="34" charset="0"/>
-                <a:ea typeface="Calibri" panose="020F0502020204030204" pitchFamily="34" charset="0"/>
-                <a:cs typeface="Arial" panose="020B0604020202020204" pitchFamily="34" charset="0"/>
-              </a:rPr>
-              <a:t>cap@uq.edu.au</a:t>
-            </a:r>
-            <a:endParaRPr lang="en-AU" dirty="0">
-              <a:latin typeface="Arial" panose="020B0604020202020204" pitchFamily="34" charset="0"/>
-              <a:ea typeface="Calibri" panose="020F0502020204030204" pitchFamily="34" charset="0"/>
-              <a:cs typeface="Times New Roman" panose="02020603050405020304" pitchFamily="18" charset="0"/>
-            </a:endParaRPr>
-          </a:p>
-        </p:txBody>
-      </p:sp>
-      <p:sp>
-        <p:nvSpPr>
           <p:cNvPr id="8" name="Rectangle 7"/>
           <p:cNvSpPr/>
           <p:nvPr/>
@@ -28863,7 +28353,7 @@
         <p:spPr>
           <a:xfrm>
             <a:off x="4079776" y="141833"/>
-            <a:ext cx="5573962" cy="707886"/>
+            <a:ext cx="6773008" cy="707886"/>
           </a:xfrm>
           <a:prstGeom prst="rect">
             <a:avLst/>
@@ -28881,28 +28371,58 @@
                   <a:schemeClr val="bg1"/>
                 </a:solidFill>
               </a:rPr>
-              <a:t>Committees &amp; Contacts</a:t>
-            </a:r>
-          </a:p>
-        </p:txBody>
-      </p:sp>
+              <a:t>Deployment: Hadoop Cluster</a:t>
+            </a:r>
+          </a:p>
+        </p:txBody>
+      </p:sp>
+      <p:pic>
+        <p:nvPicPr>
+          <p:cNvPr id="3" name="Picture 2">
+            <a:extLst>
+              <a:ext uri="{FF2B5EF4-FFF2-40B4-BE49-F238E27FC236}">
+                <a16:creationId xmlns:a16="http://schemas.microsoft.com/office/drawing/2014/main" id="{A825EA52-2D39-024B-94CC-F147372027B2}"/>
+              </a:ext>
+            </a:extLst>
+          </p:cNvPr>
+          <p:cNvPicPr>
+            <a:picLocks noChangeAspect="1"/>
+          </p:cNvPicPr>
+          <p:nvPr/>
+        </p:nvPicPr>
+        <p:blipFill>
+          <a:blip r:embed="rId3"/>
+          <a:stretch>
+            <a:fillRect/>
+          </a:stretch>
+        </p:blipFill>
+        <p:spPr>
+          <a:xfrm>
+            <a:off x="-16676" y="764703"/>
+            <a:ext cx="12208676" cy="6156021"/>
+          </a:xfrm>
+          <a:prstGeom prst="rect">
+            <a:avLst/>
+          </a:prstGeom>
+        </p:spPr>
+      </p:pic>
     </p:spTree>
     <p:extLst>
       <p:ext uri="{BB962C8B-B14F-4D97-AF65-F5344CB8AC3E}">
-        <p14:creationId xmlns:p14="http://schemas.microsoft.com/office/powerpoint/2010/main" val="3150214187"/>
+        <p14:creationId xmlns:p14="http://schemas.microsoft.com/office/powerpoint/2010/main" val="2734560135"/>
       </p:ext>
     </p:extLst>
   </p:cSld>
   <p:clrMapOvr>
     <a:masterClrMapping/>
   </p:clrMapOvr>
-  <mc:AlternateContent xmlns:mc="http://schemas.openxmlformats.org/markup-compatibility/2006">
-    <mc:Choice xmlns:p14="http://schemas.microsoft.com/office/powerpoint/2010/main" Requires="p14">
+  <mc:AlternateContent xmlns:mc="http://schemas.openxmlformats.org/markup-compatibility/2006" xmlns:p14="http://schemas.microsoft.com/office/powerpoint/2010/main">
+    <mc:Choice Requires="p14">
       <p:transition spd="med" p14:dur="700">
         <p:fade/>
       </p:transition>
     </mc:Choice>
-    <mc:Fallback>
+    <mc:Fallback xmlns="">
       <p:transition spd="med">
         <p:fade/>
       </p:transition>
@@ -28930,365 +28450,456 @@
       </p:grpSpPr>
       <p:sp>
         <p:nvSpPr>
-          <p:cNvPr id="3" name="Text Placeholder 2">
-            <a:extLst>
-              <a:ext uri="{FF2B5EF4-FFF2-40B4-BE49-F238E27FC236}">
-                <a16:creationId xmlns:a16="http://schemas.microsoft.com/office/drawing/2014/main" id="{96B791F4-E9AC-E03C-FDC9-029DB781BC87}"/>
-              </a:ext>
-            </a:extLst>
-          </p:cNvPr>
-          <p:cNvSpPr>
-            <a:spLocks noGrp="1"/>
-          </p:cNvSpPr>
-          <p:nvPr>
-            <p:ph type="body" sz="quarter" idx="10"/>
-          </p:nvPr>
+          <p:cNvPr id="5" name="AutoShape 2" descr="Image result for images of question time"/>
+          <p:cNvSpPr>
+            <a:spLocks noChangeAspect="1" noChangeArrowheads="1"/>
+          </p:cNvSpPr>
+          <p:nvPr/>
+        </p:nvSpPr>
+        <p:spPr bwMode="auto">
+          <a:xfrm>
+            <a:off x="155575" y="-144463"/>
+            <a:ext cx="304800" cy="304801"/>
+          </a:xfrm>
+          <a:prstGeom prst="rect">
+            <a:avLst/>
+          </a:prstGeom>
+          <a:noFill/>
+          <a:extLst>
+            <a:ext uri="{909E8E84-426E-40DD-AFC4-6F175D3DCCD1}">
+              <a14:hiddenFill xmlns:a14="http://schemas.microsoft.com/office/drawing/2010/main">
+                <a:solidFill>
+                  <a:srgbClr val="FFFFFF"/>
+                </a:solidFill>
+              </a14:hiddenFill>
+            </a:ext>
+          </a:extLst>
+        </p:spPr>
+        <p:txBody>
+          <a:bodyPr vert="horz" wrap="square" lIns="91440" tIns="45720" rIns="91440" bIns="45720" numCol="1" anchor="t" anchorCtr="0" compatLnSpc="1">
+            <a:prstTxWarp prst="textNoShape">
+              <a:avLst/>
+            </a:prstTxWarp>
+          </a:bodyPr>
+          <a:lstStyle/>
+          <a:p>
+            <a:endParaRPr lang="en-AU"/>
+          </a:p>
+        </p:txBody>
+      </p:sp>
+      <p:sp>
+        <p:nvSpPr>
+          <p:cNvPr id="6" name="AutoShape 4" descr="Image result for images of question time"/>
+          <p:cNvSpPr>
+            <a:spLocks noChangeAspect="1" noChangeArrowheads="1"/>
+          </p:cNvSpPr>
+          <p:nvPr/>
+        </p:nvSpPr>
+        <p:spPr bwMode="auto">
+          <a:xfrm>
+            <a:off x="307975" y="7937"/>
+            <a:ext cx="304800" cy="304801"/>
+          </a:xfrm>
+          <a:prstGeom prst="rect">
+            <a:avLst/>
+          </a:prstGeom>
+          <a:noFill/>
+          <a:extLst>
+            <a:ext uri="{909E8E84-426E-40DD-AFC4-6F175D3DCCD1}">
+              <a14:hiddenFill xmlns:a14="http://schemas.microsoft.com/office/drawing/2010/main">
+                <a:solidFill>
+                  <a:srgbClr val="FFFFFF"/>
+                </a:solidFill>
+              </a14:hiddenFill>
+            </a:ext>
+          </a:extLst>
+        </p:spPr>
+        <p:txBody>
+          <a:bodyPr vert="horz" wrap="square" lIns="91440" tIns="45720" rIns="91440" bIns="45720" numCol="1" anchor="t" anchorCtr="0" compatLnSpc="1">
+            <a:prstTxWarp prst="textNoShape">
+              <a:avLst/>
+            </a:prstTxWarp>
+          </a:bodyPr>
+          <a:lstStyle/>
+          <a:p>
+            <a:endParaRPr lang="en-AU"/>
+          </a:p>
+        </p:txBody>
+      </p:sp>
+      <p:sp>
+        <p:nvSpPr>
+          <p:cNvPr id="4" name="Rectangle 3"/>
+          <p:cNvSpPr/>
+          <p:nvPr/>
         </p:nvSpPr>
         <p:spPr>
           <a:xfrm>
-            <a:off x="191344" y="836712"/>
-            <a:ext cx="12169352" cy="5472608"/>
-          </a:xfrm>
-        </p:spPr>
-        <p:txBody>
-          <a:bodyPr>
-            <a:noAutofit/>
+            <a:off x="983432" y="1196752"/>
+            <a:ext cx="10297144" cy="1032847"/>
+          </a:xfrm>
+          <a:prstGeom prst="rect">
+            <a:avLst/>
+          </a:prstGeom>
+        </p:spPr>
+        <p:txBody>
+          <a:bodyPr wrap="square">
+            <a:spAutoFit/>
           </a:bodyPr>
           <a:lstStyle/>
           <a:p>
-            <a:r>
-              <a:rPr lang="en-AU" sz="1000" dirty="0">
-                <a:effectLst/>
+            <a:pPr>
+              <a:spcAft>
+                <a:spcPts val="0"/>
+              </a:spcAft>
+            </a:pPr>
+            <a:r>
+              <a:rPr lang="en-AU" sz="1400" dirty="0">
+                <a:latin typeface="Arial" panose="020B0604020202020204" pitchFamily="34" charset="0"/>
+                <a:ea typeface="Calibri" panose="020F0502020204030204" pitchFamily="34" charset="0"/>
+                <a:cs typeface="Arial" panose="020B0604020202020204" pitchFamily="34" charset="0"/>
               </a:rPr>
-              <a:t>[1] Apache Software Foundation, “</a:t>
-            </a:r>
-            <a:r>
-              <a:rPr lang="en-AU" sz="1000" dirty="0" err="1">
-                <a:effectLst/>
+              <a:t> </a:t>
+            </a:r>
+            <a:endParaRPr lang="en-AU" sz="1400" dirty="0">
+              <a:latin typeface="Arial" panose="020B0604020202020204" pitchFamily="34" charset="0"/>
+              <a:ea typeface="Calibri" panose="020F0502020204030204" pitchFamily="34" charset="0"/>
+              <a:cs typeface="Times New Roman" panose="02020603050405020304" pitchFamily="18" charset="0"/>
+            </a:endParaRPr>
+          </a:p>
+          <a:p>
+            <a:pPr marL="182563" lvl="0" indent="-182563">
+              <a:lnSpc>
+                <a:spcPct val="107000"/>
+              </a:lnSpc>
+              <a:spcAft>
+                <a:spcPts val="1200"/>
+              </a:spcAft>
+              <a:buSzPts val="1000"/>
+              <a:buFont typeface="Symbol" panose="05050102010706020507" pitchFamily="18" charset="2"/>
+              <a:buChar char=""/>
+            </a:pPr>
+            <a:endParaRPr lang="en-AU" dirty="0">
+              <a:latin typeface="Arial" panose="020B0604020202020204" pitchFamily="34" charset="0"/>
+              <a:ea typeface="Calibri" panose="020F0502020204030204" pitchFamily="34" charset="0"/>
+              <a:cs typeface="Times New Roman" panose="02020603050405020304" pitchFamily="18" charset="0"/>
+            </a:endParaRPr>
+          </a:p>
+          <a:p>
+            <a:pPr marL="182563" lvl="0" indent="-182563">
+              <a:lnSpc>
+                <a:spcPct val="107000"/>
+              </a:lnSpc>
+              <a:spcAft>
+                <a:spcPts val="800"/>
+              </a:spcAft>
+              <a:buSzPts val="1000"/>
+              <a:buFont typeface="Symbol" panose="05050102010706020507" pitchFamily="18" charset="2"/>
+              <a:buChar char=""/>
+            </a:pPr>
+            <a:endParaRPr lang="en-AU" u="sng" dirty="0">
+              <a:solidFill>
+                <a:srgbClr val="0563C1"/>
+              </a:solidFill>
+              <a:latin typeface="Arial" panose="020B0604020202020204" pitchFamily="34" charset="0"/>
+              <a:ea typeface="Calibri" panose="020F0502020204030204" pitchFamily="34" charset="0"/>
+              <a:cs typeface="Arial" panose="020B0604020202020204" pitchFamily="34" charset="0"/>
+            </a:endParaRPr>
+          </a:p>
+        </p:txBody>
+      </p:sp>
+      <p:sp>
+        <p:nvSpPr>
+          <p:cNvPr id="8" name="Rectangle 7"/>
+          <p:cNvSpPr/>
+          <p:nvPr/>
+        </p:nvSpPr>
+        <p:spPr>
+          <a:xfrm>
+            <a:off x="4079776" y="141833"/>
+            <a:ext cx="1952779" cy="707886"/>
+          </a:xfrm>
+          <a:prstGeom prst="rect">
+            <a:avLst/>
+          </a:prstGeom>
+        </p:spPr>
+        <p:txBody>
+          <a:bodyPr wrap="none">
+            <a:spAutoFit/>
+          </a:bodyPr>
+          <a:lstStyle/>
+          <a:p>
+            <a:r>
+              <a:rPr lang="en-AU" sz="4000" dirty="0">
+                <a:solidFill>
+                  <a:schemeClr val="bg1"/>
+                </a:solidFill>
               </a:rPr>
-              <a:t>File:Hadoop</a:t>
-            </a:r>
-            <a:r>
-              <a:rPr lang="en-AU" sz="1000" dirty="0">
-                <a:effectLst/>
+              <a:t>Critique</a:t>
+            </a:r>
+          </a:p>
+        </p:txBody>
+      </p:sp>
+      <p:sp>
+        <p:nvSpPr>
+          <p:cNvPr id="3" name="Rectangle 2">
+            <a:extLst>
+              <a:ext uri="{FF2B5EF4-FFF2-40B4-BE49-F238E27FC236}">
+                <a16:creationId xmlns:a16="http://schemas.microsoft.com/office/drawing/2014/main" id="{F92EA359-B26F-6C5F-96F9-F4F3C049EF10}"/>
+              </a:ext>
+            </a:extLst>
+          </p:cNvPr>
+          <p:cNvSpPr/>
+          <p:nvPr/>
+        </p:nvSpPr>
+        <p:spPr>
+          <a:xfrm>
+            <a:off x="983432" y="1196752"/>
+            <a:ext cx="10297144" cy="4801314"/>
+          </a:xfrm>
+          <a:prstGeom prst="rect">
+            <a:avLst/>
+          </a:prstGeom>
+        </p:spPr>
+        <p:txBody>
+          <a:bodyPr wrap="square">
+            <a:spAutoFit/>
+          </a:bodyPr>
+          <a:lstStyle/>
+          <a:p>
+            <a:pPr>
+              <a:spcAft>
+                <a:spcPts val="0"/>
+              </a:spcAft>
+            </a:pPr>
+            <a:r>
+              <a:rPr lang="en-AU" dirty="0">
+                <a:latin typeface="Arial" panose="020B0604020202020204" pitchFamily="34" charset="0"/>
+                <a:ea typeface="Calibri" panose="020F0502020204030204" pitchFamily="34" charset="0"/>
+                <a:cs typeface="Times New Roman" panose="02020603050405020304" pitchFamily="18" charset="0"/>
               </a:rPr>
-              <a:t> logo </a:t>
-            </a:r>
-            <a:r>
-              <a:rPr lang="en-AU" sz="1000" dirty="0" err="1">
-                <a:effectLst/>
+              <a:t>Pros:</a:t>
+            </a:r>
+          </a:p>
+          <a:p>
+            <a:pPr marL="285750" indent="-285750">
+              <a:spcAft>
+                <a:spcPts val="0"/>
+              </a:spcAft>
+              <a:buFontTx/>
+              <a:buChar char="-"/>
+            </a:pPr>
+            <a:r>
+              <a:rPr lang="en-AU" dirty="0">
+                <a:latin typeface="Arial" panose="020B0604020202020204" pitchFamily="34" charset="0"/>
+                <a:ea typeface="Calibri" panose="020F0502020204030204" pitchFamily="34" charset="0"/>
+                <a:cs typeface="Times New Roman" panose="02020603050405020304" pitchFamily="18" charset="0"/>
               </a:rPr>
-              <a:t>new.svg</a:t>
-            </a:r>
-            <a:r>
-              <a:rPr lang="en-AU" sz="1000" dirty="0">
-                <a:effectLst/>
+              <a:t>As an open source framework, Hadoop allows organisations of any size free access to large scale distributed data processing</a:t>
+            </a:r>
+          </a:p>
+          <a:p>
+            <a:pPr marL="285750" indent="-285750">
+              <a:spcAft>
+                <a:spcPts val="0"/>
+              </a:spcAft>
+              <a:buFontTx/>
+              <a:buChar char="-"/>
+            </a:pPr>
+            <a:r>
+              <a:rPr lang="en-AU" dirty="0">
+                <a:latin typeface="Arial" panose="020B0604020202020204" pitchFamily="34" charset="0"/>
+                <a:ea typeface="Calibri" panose="020F0502020204030204" pitchFamily="34" charset="0"/>
+                <a:cs typeface="Times New Roman" panose="02020603050405020304" pitchFamily="18" charset="0"/>
               </a:rPr>
-              <a:t>,” Wikimedia Commons, https://</a:t>
-            </a:r>
-            <a:r>
-              <a:rPr lang="en-AU" sz="1000" dirty="0" err="1">
-                <a:effectLst/>
+              <a:t>The HDFS system allows for both data redundancy and large scale concurrency across the cluster.</a:t>
+            </a:r>
+          </a:p>
+          <a:p>
+            <a:pPr marL="285750" indent="-285750">
+              <a:spcAft>
+                <a:spcPts val="0"/>
+              </a:spcAft>
+              <a:buFontTx/>
+              <a:buChar char="-"/>
+            </a:pPr>
+            <a:r>
+              <a:rPr lang="en-AU" dirty="0">
+                <a:latin typeface="Arial" panose="020B0604020202020204" pitchFamily="34" charset="0"/>
+                <a:ea typeface="Calibri" panose="020F0502020204030204" pitchFamily="34" charset="0"/>
+                <a:cs typeface="Times New Roman" panose="02020603050405020304" pitchFamily="18" charset="0"/>
               </a:rPr>
-              <a:t>commons.wikimedia.org</a:t>
-            </a:r>
-            <a:r>
-              <a:rPr lang="en-AU" sz="1000" dirty="0">
-                <a:effectLst/>
+              <a:t>YARN </a:t>
+            </a:r>
+          </a:p>
+          <a:p>
+            <a:pPr marL="285750" indent="-285750">
+              <a:spcAft>
+                <a:spcPts val="0"/>
+              </a:spcAft>
+              <a:buFontTx/>
+              <a:buChar char="-"/>
+            </a:pPr>
+            <a:endParaRPr lang="en-AU" dirty="0">
+              <a:latin typeface="Arial" panose="020B0604020202020204" pitchFamily="34" charset="0"/>
+              <a:ea typeface="Calibri" panose="020F0502020204030204" pitchFamily="34" charset="0"/>
+              <a:cs typeface="Times New Roman" panose="02020603050405020304" pitchFamily="18" charset="0"/>
+            </a:endParaRPr>
+          </a:p>
+          <a:p>
+            <a:pPr>
+              <a:spcAft>
+                <a:spcPts val="0"/>
+              </a:spcAft>
+            </a:pPr>
+            <a:r>
+              <a:rPr lang="en-AU" dirty="0">
+                <a:latin typeface="Arial" panose="020B0604020202020204" pitchFamily="34" charset="0"/>
+                <a:ea typeface="Calibri" panose="020F0502020204030204" pitchFamily="34" charset="0"/>
+                <a:cs typeface="Times New Roman" panose="02020603050405020304" pitchFamily="18" charset="0"/>
               </a:rPr>
-              <a:t>/wiki/</a:t>
-            </a:r>
-            <a:r>
-              <a:rPr lang="en-AU" sz="1000" dirty="0" err="1">
-                <a:effectLst/>
+              <a:t>Cons:</a:t>
+            </a:r>
+          </a:p>
+          <a:p>
+            <a:pPr marL="285750" indent="-285750">
+              <a:spcAft>
+                <a:spcPts val="0"/>
+              </a:spcAft>
+              <a:buFontTx/>
+              <a:buChar char="-"/>
+            </a:pPr>
+            <a:r>
+              <a:rPr lang="en-AU" dirty="0">
+                <a:latin typeface="Arial" panose="020B0604020202020204" pitchFamily="34" charset="0"/>
+                <a:ea typeface="Calibri" panose="020F0502020204030204" pitchFamily="34" charset="0"/>
+                <a:cs typeface="Times New Roman" panose="02020603050405020304" pitchFamily="18" charset="0"/>
               </a:rPr>
-              <a:t>File:Hadoop_logo_new.svg</a:t>
-            </a:r>
-            <a:r>
-              <a:rPr lang="en-AU" sz="1000" dirty="0">
-                <a:effectLst/>
+              <a:t>Hadoop requires high technical proficiency to setup, maintain, and write MapReduce jobs</a:t>
+            </a:r>
+          </a:p>
+          <a:p>
+            <a:pPr marL="285750" indent="-285750">
+              <a:spcAft>
+                <a:spcPts val="0"/>
+              </a:spcAft>
+              <a:buFontTx/>
+              <a:buChar char="-"/>
+            </a:pPr>
+            <a:r>
+              <a:rPr lang="en-AU" dirty="0">
+                <a:latin typeface="Arial" panose="020B0604020202020204" pitchFamily="34" charset="0"/>
+                <a:ea typeface="Calibri" panose="020F0502020204030204" pitchFamily="34" charset="0"/>
+                <a:cs typeface="Times New Roman" panose="02020603050405020304" pitchFamily="18" charset="0"/>
               </a:rPr>
-              <a:t> </a:t>
-            </a:r>
-            <a:endParaRPr lang="en-US" sz="1000" dirty="0">
-              <a:effectLst/>
+              <a:t>Java-first development means there is little native support for non-java-runtime access methods.</a:t>
+            </a:r>
+          </a:p>
+          <a:p>
+            <a:pPr marL="285750" indent="-285750">
+              <a:spcAft>
+                <a:spcPts val="0"/>
+              </a:spcAft>
+              <a:buFontTx/>
+              <a:buChar char="-"/>
+            </a:pPr>
+            <a:r>
+              <a:rPr lang="en-AU" dirty="0">
+                <a:latin typeface="Arial" panose="020B0604020202020204" pitchFamily="34" charset="0"/>
+                <a:ea typeface="Calibri" panose="020F0502020204030204" pitchFamily="34" charset="0"/>
+                <a:cs typeface="Times New Roman" panose="02020603050405020304" pitchFamily="18" charset="0"/>
+              </a:rPr>
+              <a:t>Lack of out-of-the-box support for SQL and popular data query methodologies means you need a large number of extensions and additional libraries for common use cases</a:t>
+            </a:r>
+          </a:p>
+          <a:p>
+            <a:pPr marL="285750" indent="-285750">
+              <a:spcAft>
+                <a:spcPts val="0"/>
+              </a:spcAft>
+              <a:buFontTx/>
+              <a:buChar char="-"/>
+            </a:pPr>
+            <a:r>
+              <a:rPr lang="en-AU" dirty="0">
+                <a:latin typeface="Arial" panose="020B0604020202020204" pitchFamily="34" charset="0"/>
+                <a:ea typeface="Calibri" panose="020F0502020204030204" pitchFamily="34" charset="0"/>
+                <a:cs typeface="Times New Roman" panose="02020603050405020304" pitchFamily="18" charset="0"/>
+              </a:rPr>
+              <a:t>The Hadoop MapReduce operations primarily operate on data directly from disk. This has allowed newer frameworks such as Apache Spark to leapfrog Hadoop’s performance, leading to a migration away from direct Hadoop MapReduce usage.</a:t>
+            </a:r>
+          </a:p>
+          <a:p>
+            <a:pPr marL="285750" indent="-285750">
+              <a:spcAft>
+                <a:spcPts val="0"/>
+              </a:spcAft>
+              <a:buFontTx/>
+              <a:buChar char="-"/>
+            </a:pPr>
+            <a:endParaRPr lang="en-AU" dirty="0">
+              <a:latin typeface="Arial" panose="020B0604020202020204" pitchFamily="34" charset="0"/>
+              <a:ea typeface="Calibri" panose="020F0502020204030204" pitchFamily="34" charset="0"/>
+              <a:cs typeface="Times New Roman" panose="02020603050405020304" pitchFamily="18" charset="0"/>
             </a:endParaRPr>
           </a:p>
           <a:p>
-            <a:r>
-              <a:rPr lang="en-US" sz="1000" dirty="0"/>
-              <a:t>[2] J. Dean and S. Ghemawat, “MapReduce: Simplified Data Processing on Large Clusters,” 2004. https://</a:t>
-            </a:r>
-            <a:r>
-              <a:rPr lang="en-US" sz="1000" dirty="0" err="1"/>
-              <a:t>static.googleusercontent.com</a:t>
-            </a:r>
-            <a:r>
-              <a:rPr lang="en-US" sz="1000" dirty="0"/>
-              <a:t>/media/</a:t>
-            </a:r>
-            <a:r>
-              <a:rPr lang="en-US" sz="1000" dirty="0" err="1"/>
-              <a:t>research.google.com</a:t>
-            </a:r>
-            <a:r>
-              <a:rPr lang="en-US" sz="1000" dirty="0"/>
-              <a:t>/</a:t>
-            </a:r>
-            <a:r>
-              <a:rPr lang="en-US" sz="1000" dirty="0" err="1"/>
-              <a:t>en</a:t>
-            </a:r>
-            <a:r>
-              <a:rPr lang="en-US" sz="1000" dirty="0"/>
-              <a:t>//archive/mapreduce-osdi04.pdf</a:t>
-            </a:r>
-          </a:p>
-          <a:p>
-            <a:r>
-              <a:rPr lang="en-US" sz="1000" dirty="0"/>
-              <a:t>[3] M. R. Ghazi and D. </a:t>
-            </a:r>
-            <a:r>
-              <a:rPr lang="en-US" sz="1000" dirty="0" err="1"/>
-              <a:t>Gangodkar</a:t>
-            </a:r>
-            <a:r>
-              <a:rPr lang="en-US" sz="1000" dirty="0"/>
-              <a:t>, “Hadoop, MapReduce and HDFS: A Developers Perspective,” Procedia Computer Science, vol. 48, pp. 45–50, 2015, </a:t>
-            </a:r>
-            <a:r>
-              <a:rPr lang="en-US" sz="1000" dirty="0" err="1"/>
-              <a:t>doi</a:t>
-            </a:r>
-            <a:r>
-              <a:rPr lang="en-US" sz="1000" dirty="0"/>
-              <a:t>: https://</a:t>
-            </a:r>
-            <a:r>
-              <a:rPr lang="en-US" sz="1000" dirty="0" err="1"/>
-              <a:t>doi.org</a:t>
-            </a:r>
-            <a:r>
-              <a:rPr lang="en-US" sz="1000" dirty="0"/>
-              <a:t>/10.1016/j.procs.2015.04.108.</a:t>
-            </a:r>
-          </a:p>
-          <a:p>
-            <a:r>
-              <a:rPr lang="en-US" sz="1000" dirty="0"/>
-              <a:t>[4] </a:t>
-            </a:r>
-            <a:r>
-              <a:rPr lang="en-AU" sz="1000" dirty="0">
-                <a:effectLst/>
-              </a:rPr>
-              <a:t>Apache Software Foundation. (n.d.-a). </a:t>
-            </a:r>
-            <a:r>
-              <a:rPr lang="en-AU" sz="1000" i="1" dirty="0">
-                <a:effectLst/>
-              </a:rPr>
-              <a:t>Apache Hadoop Yarn</a:t>
-            </a:r>
-            <a:r>
-              <a:rPr lang="en-AU" sz="1000" dirty="0">
-                <a:effectLst/>
-              </a:rPr>
-              <a:t>. Apache Hadoop 3.3.6 – Apache Hadoop YARN. https://</a:t>
-            </a:r>
-            <a:r>
-              <a:rPr lang="en-AU" sz="1000" dirty="0" err="1">
-                <a:effectLst/>
-              </a:rPr>
-              <a:t>hadoop.apache.org</a:t>
-            </a:r>
-            <a:r>
-              <a:rPr lang="en-AU" sz="1000" dirty="0">
-                <a:effectLst/>
-              </a:rPr>
-              <a:t>/docs/stable/</a:t>
-            </a:r>
-            <a:r>
-              <a:rPr lang="en-AU" sz="1000" dirty="0" err="1">
-                <a:effectLst/>
-              </a:rPr>
-              <a:t>hadoop</a:t>
-            </a:r>
-            <a:r>
-              <a:rPr lang="en-AU" sz="1000" dirty="0">
-                <a:effectLst/>
-              </a:rPr>
-              <a:t>-yarn/</a:t>
-            </a:r>
-            <a:r>
-              <a:rPr lang="en-AU" sz="1000" dirty="0" err="1">
-                <a:effectLst/>
-              </a:rPr>
-              <a:t>hadoop</a:t>
-            </a:r>
-            <a:r>
-              <a:rPr lang="en-AU" sz="1000" dirty="0">
-                <a:effectLst/>
-              </a:rPr>
-              <a:t>-yarn-site/</a:t>
-            </a:r>
-            <a:r>
-              <a:rPr lang="en-AU" sz="1000" dirty="0" err="1">
-                <a:effectLst/>
-              </a:rPr>
-              <a:t>YARN.html</a:t>
-            </a:r>
-            <a:r>
-              <a:rPr lang="en-AU" sz="1000" dirty="0">
-                <a:effectLst/>
-              </a:rPr>
-              <a:t> </a:t>
-            </a:r>
-          </a:p>
-          <a:p>
-            <a:endParaRPr lang="en-US" sz="1000" dirty="0"/>
-          </a:p>
-          <a:p>
-            <a:r>
-              <a:rPr lang="en-US" sz="1000" dirty="0"/>
-              <a:t>https://</a:t>
-            </a:r>
-            <a:r>
-              <a:rPr lang="en-US" sz="1000" dirty="0" err="1"/>
-              <a:t>hadoop.apache.org</a:t>
-            </a:r>
-            <a:r>
-              <a:rPr lang="en-US" sz="1000" dirty="0"/>
-              <a:t>/docs/r1.2.1/</a:t>
-            </a:r>
-            <a:r>
-              <a:rPr lang="en-US" sz="1000" dirty="0" err="1"/>
-              <a:t>mapred_tutorial.html</a:t>
-            </a:r>
-            <a:endParaRPr lang="en-US" sz="1000" dirty="0"/>
-          </a:p>
-          <a:p>
-            <a:r>
-              <a:rPr lang="en-US" sz="1000" dirty="0"/>
-              <a:t>https://</a:t>
-            </a:r>
-            <a:r>
-              <a:rPr lang="en-US" sz="1000" dirty="0" err="1"/>
-              <a:t>hadoop.apache.org</a:t>
-            </a:r>
-            <a:r>
-              <a:rPr lang="en-US" sz="1000" dirty="0"/>
-              <a:t>/docs/r2.8.0/</a:t>
-            </a:r>
-            <a:r>
-              <a:rPr lang="en-US" sz="1000" dirty="0" err="1"/>
-              <a:t>hadoop</a:t>
-            </a:r>
-            <a:r>
-              <a:rPr lang="en-US" sz="1000" dirty="0"/>
-              <a:t>-</a:t>
-            </a:r>
-            <a:r>
-              <a:rPr lang="en-US" sz="1000" dirty="0" err="1"/>
-              <a:t>mapreduce</a:t>
-            </a:r>
-            <a:r>
-              <a:rPr lang="en-US" sz="1000" dirty="0"/>
-              <a:t>-client/</a:t>
-            </a:r>
-            <a:r>
-              <a:rPr lang="en-US" sz="1000" dirty="0" err="1"/>
-              <a:t>hadoop</a:t>
-            </a:r>
-            <a:r>
-              <a:rPr lang="en-US" sz="1000" dirty="0"/>
-              <a:t>-</a:t>
-            </a:r>
-            <a:r>
-              <a:rPr lang="en-US" sz="1000" dirty="0" err="1"/>
-              <a:t>mapreduce</a:t>
-            </a:r>
-            <a:r>
-              <a:rPr lang="en-US" sz="1000" dirty="0"/>
-              <a:t>-client-core/</a:t>
-            </a:r>
-            <a:r>
-              <a:rPr lang="en-US" sz="1000" dirty="0" err="1"/>
-              <a:t>MapReduceTutorial.html</a:t>
-            </a:r>
-            <a:endParaRPr lang="en-US" sz="1000" dirty="0"/>
-          </a:p>
-          <a:p>
-            <a:r>
-              <a:rPr lang="en-US" sz="1000" dirty="0"/>
-              <a:t>https://</a:t>
-            </a:r>
-            <a:r>
-              <a:rPr lang="en-US" sz="1000" dirty="0" err="1"/>
-              <a:t>community.cloudera.com</a:t>
-            </a:r>
-            <a:r>
-              <a:rPr lang="en-US" sz="1000" dirty="0"/>
-              <a:t>/t5/Community-Articles/Understanding-basics-of-HDFS-and-YARN/ta-p/248860</a:t>
-            </a:r>
-          </a:p>
-          <a:p>
-            <a:r>
-              <a:rPr lang="en-US" sz="1000" dirty="0"/>
-              <a:t>https://</a:t>
-            </a:r>
-            <a:r>
-              <a:rPr lang="en-US" sz="1000" dirty="0" err="1"/>
-              <a:t>hadoop.apache.org</a:t>
-            </a:r>
-            <a:r>
-              <a:rPr lang="en-US" sz="1000" dirty="0"/>
-              <a:t>/docs/stable/</a:t>
-            </a:r>
-            <a:r>
-              <a:rPr lang="en-US" sz="1000" dirty="0" err="1"/>
-              <a:t>hadoop</a:t>
-            </a:r>
-            <a:r>
-              <a:rPr lang="en-US" sz="1000" dirty="0"/>
-              <a:t>-yarn/</a:t>
-            </a:r>
-            <a:r>
-              <a:rPr lang="en-US" sz="1000" dirty="0" err="1"/>
-              <a:t>hadoop</a:t>
-            </a:r>
-            <a:r>
-              <a:rPr lang="en-US" sz="1000" dirty="0"/>
-              <a:t>-yarn-site/</a:t>
-            </a:r>
-            <a:r>
-              <a:rPr lang="en-US" sz="1000" dirty="0" err="1"/>
-              <a:t>YARN.html</a:t>
-            </a:r>
-            <a:endParaRPr lang="en-US" sz="1000" dirty="0"/>
-          </a:p>
-          <a:p>
-            <a:r>
-              <a:rPr lang="en-US" sz="1000" dirty="0"/>
-              <a:t>https://</a:t>
-            </a:r>
-            <a:r>
-              <a:rPr lang="en-US" sz="1000" dirty="0" err="1"/>
-              <a:t>hadoop.apache.org</a:t>
-            </a:r>
-            <a:r>
-              <a:rPr lang="en-US" sz="1000" dirty="0"/>
-              <a:t>/docs/r1.2.1/</a:t>
-            </a:r>
-            <a:r>
-              <a:rPr lang="en-US" sz="1000" dirty="0" err="1"/>
-              <a:t>hdfs_design.html</a:t>
-            </a:r>
-            <a:endParaRPr lang="en-US" sz="1000" dirty="0"/>
-          </a:p>
-        </p:txBody>
-      </p:sp>
+            <a:pPr marL="285750" indent="-285750">
+              <a:spcAft>
+                <a:spcPts val="0"/>
+              </a:spcAft>
+              <a:buFontTx/>
+              <a:buChar char="-"/>
+            </a:pPr>
+            <a:endParaRPr lang="en-AU" dirty="0">
+              <a:latin typeface="Arial" panose="020B0604020202020204" pitchFamily="34" charset="0"/>
+              <a:ea typeface="Calibri" panose="020F0502020204030204" pitchFamily="34" charset="0"/>
+              <a:cs typeface="Times New Roman" panose="02020603050405020304" pitchFamily="18" charset="0"/>
+            </a:endParaRPr>
+          </a:p>
+        </p:txBody>
+      </p:sp>
+    </p:spTree>
+    <p:extLst>
+      <p:ext uri="{BB962C8B-B14F-4D97-AF65-F5344CB8AC3E}">
+        <p14:creationId xmlns:p14="http://schemas.microsoft.com/office/powerpoint/2010/main" val="1840127491"/>
+      </p:ext>
+    </p:extLst>
+  </p:cSld>
+  <p:clrMapOvr>
+    <a:masterClrMapping/>
+  </p:clrMapOvr>
+  <mc:AlternateContent xmlns:mc="http://schemas.openxmlformats.org/markup-compatibility/2006" xmlns:p14="http://schemas.microsoft.com/office/powerpoint/2010/main">
+    <mc:Choice Requires="p14">
+      <p:transition spd="med" p14:dur="700">
+        <p:fade/>
+      </p:transition>
+    </mc:Choice>
+    <mc:Fallback xmlns="">
+      <p:transition spd="med">
+        <p:fade/>
+      </p:transition>
+    </mc:Fallback>
+  </mc:AlternateContent>
+</p:sld>
+</file>
+
+<file path=ppt/slides/slide14.xml><?xml version="1.0" encoding="utf-8"?>
+<p:sld xmlns:a="http://schemas.openxmlformats.org/drawingml/2006/main" xmlns:r="http://schemas.openxmlformats.org/officeDocument/2006/relationships" xmlns:p="http://schemas.openxmlformats.org/presentationml/2006/main">
+  <p:cSld>
+    <p:spTree>
+      <p:nvGrpSpPr>
+        <p:cNvPr id="1" name=""/>
+        <p:cNvGrpSpPr/>
+        <p:nvPr/>
+      </p:nvGrpSpPr>
+      <p:grpSpPr>
+        <a:xfrm>
+          <a:off x="0" y="0"/>
+          <a:ext cx="0" cy="0"/>
+          <a:chOff x="0" y="0"/>
+          <a:chExt cx="0" cy="0"/>
+        </a:xfrm>
+      </p:grpSpPr>
       <p:sp>
         <p:nvSpPr>
           <p:cNvPr id="4" name="Rectangle 3">
@@ -29323,6 +28934,223 @@
                 </a:solidFill>
               </a:rPr>
               <a:t>References</a:t>
+            </a:r>
+          </a:p>
+        </p:txBody>
+      </p:sp>
+      <p:sp>
+        <p:nvSpPr>
+          <p:cNvPr id="5" name="Text Placeholder 4">
+            <a:extLst>
+              <a:ext uri="{FF2B5EF4-FFF2-40B4-BE49-F238E27FC236}">
+                <a16:creationId xmlns:a16="http://schemas.microsoft.com/office/drawing/2014/main" id="{3F6063C3-46EF-8FB7-C431-61875571D826}"/>
+              </a:ext>
+            </a:extLst>
+          </p:cNvPr>
+          <p:cNvSpPr>
+            <a:spLocks noGrp="1"/>
+          </p:cNvSpPr>
+          <p:nvPr>
+            <p:ph type="body" sz="quarter" idx="10"/>
+          </p:nvPr>
+        </p:nvSpPr>
+        <p:spPr>
+          <a:xfrm>
+            <a:off x="110566" y="786470"/>
+            <a:ext cx="11890089" cy="3722650"/>
+          </a:xfrm>
+        </p:spPr>
+        <p:txBody>
+          <a:bodyPr>
+            <a:normAutofit/>
+          </a:bodyPr>
+          <a:lstStyle/>
+          <a:p>
+            <a:pPr>
+              <a:lnSpc>
+                <a:spcPct val="120000"/>
+              </a:lnSpc>
+            </a:pPr>
+            <a:r>
+              <a:rPr lang="en-US" sz="1600" dirty="0"/>
+              <a:t>[1] Apache Software Foundation, “</a:t>
+            </a:r>
+            <a:r>
+              <a:rPr lang="en-US" sz="1600" dirty="0" err="1"/>
+              <a:t>File:Hadoop</a:t>
+            </a:r>
+            <a:r>
+              <a:rPr lang="en-US" sz="1600" dirty="0"/>
+              <a:t> logo </a:t>
+            </a:r>
+            <a:r>
+              <a:rPr lang="en-US" sz="1600" dirty="0" err="1"/>
+              <a:t>new.svg</a:t>
+            </a:r>
+            <a:r>
+              <a:rPr lang="en-US" sz="1600" dirty="0"/>
+              <a:t>,” Wikimedia Commons, https://</a:t>
+            </a:r>
+            <a:r>
+              <a:rPr lang="en-US" sz="1600" dirty="0" err="1"/>
+              <a:t>commons.wikimedia.org</a:t>
+            </a:r>
+            <a:r>
+              <a:rPr lang="en-US" sz="1600" dirty="0"/>
+              <a:t>/wiki/</a:t>
+            </a:r>
+            <a:r>
+              <a:rPr lang="en-US" sz="1600" dirty="0" err="1"/>
+              <a:t>File:Hadoop_logo_new.svg</a:t>
+            </a:r>
+            <a:r>
+              <a:rPr lang="en-US" sz="1600" dirty="0"/>
+              <a:t> </a:t>
+            </a:r>
+          </a:p>
+          <a:p>
+            <a:pPr>
+              <a:lnSpc>
+                <a:spcPct val="120000"/>
+              </a:lnSpc>
+            </a:pPr>
+            <a:r>
+              <a:rPr lang="en-US" sz="1600" dirty="0"/>
+              <a:t>[2] J. Dean and S. Ghemawat, “MapReduce: Simplified Data Processing on Large Clusters,” 2004. https://</a:t>
+            </a:r>
+            <a:r>
+              <a:rPr lang="en-US" sz="1600" dirty="0" err="1"/>
+              <a:t>static.googleusercontent.com</a:t>
+            </a:r>
+            <a:r>
+              <a:rPr lang="en-US" sz="1600" dirty="0"/>
+              <a:t>/media/</a:t>
+            </a:r>
+            <a:r>
+              <a:rPr lang="en-US" sz="1600" dirty="0" err="1"/>
+              <a:t>research.google.com</a:t>
+            </a:r>
+            <a:r>
+              <a:rPr lang="en-US" sz="1600" dirty="0"/>
+              <a:t>/</a:t>
+            </a:r>
+            <a:r>
+              <a:rPr lang="en-US" sz="1600" dirty="0" err="1"/>
+              <a:t>en</a:t>
+            </a:r>
+            <a:r>
+              <a:rPr lang="en-US" sz="1600" dirty="0"/>
+              <a:t>//archive/mapreduce-osdi04.pdf</a:t>
+            </a:r>
+          </a:p>
+          <a:p>
+            <a:pPr>
+              <a:lnSpc>
+                <a:spcPct val="120000"/>
+              </a:lnSpc>
+            </a:pPr>
+            <a:r>
+              <a:rPr lang="en-US" sz="1600" dirty="0"/>
+              <a:t>[3] Apache Software Foundation, MapReduce Tutorial, https://</a:t>
+            </a:r>
+            <a:r>
+              <a:rPr lang="en-US" sz="1600" dirty="0" err="1"/>
+              <a:t>hadoop.apache.org</a:t>
+            </a:r>
+            <a:r>
+              <a:rPr lang="en-US" sz="1600" dirty="0"/>
+              <a:t>/docs/r1.2.1/</a:t>
+            </a:r>
+            <a:r>
+              <a:rPr lang="en-US" sz="1600" dirty="0" err="1"/>
+              <a:t>mapred_tutorial.html</a:t>
+            </a:r>
+            <a:endParaRPr lang="en-US" sz="1600" dirty="0"/>
+          </a:p>
+          <a:p>
+            <a:pPr>
+              <a:lnSpc>
+                <a:spcPct val="120000"/>
+              </a:lnSpc>
+            </a:pPr>
+            <a:r>
+              <a:rPr lang="en-US" sz="1600" dirty="0"/>
+              <a:t>[4] Apache Software Foundation, “HDFS architecture guide,” Hadoop, https://</a:t>
+            </a:r>
+            <a:r>
+              <a:rPr lang="en-US" sz="1600" dirty="0" err="1"/>
+              <a:t>hadoop.apache.org</a:t>
+            </a:r>
+            <a:r>
+              <a:rPr lang="en-US" sz="1600" dirty="0"/>
+              <a:t>/docs/r1.2.1/</a:t>
+            </a:r>
+            <a:r>
+              <a:rPr lang="en-US" sz="1600" dirty="0" err="1"/>
+              <a:t>hdfs_design.html</a:t>
+            </a:r>
+            <a:r>
+              <a:rPr lang="en-US" sz="1600" dirty="0"/>
+              <a:t> (accessed May 11, 2024). </a:t>
+            </a:r>
+          </a:p>
+          <a:p>
+            <a:pPr>
+              <a:lnSpc>
+                <a:spcPct val="120000"/>
+              </a:lnSpc>
+            </a:pPr>
+            <a:r>
+              <a:rPr lang="en-US" sz="1600" dirty="0"/>
+              <a:t>[5] Apache Software Foundation, “Apache Hadoop Yarn,” Apache Hadoop 3.3.6 – Apache Hadoop YARN, https://</a:t>
+            </a:r>
+            <a:r>
+              <a:rPr lang="en-US" sz="1600" dirty="0" err="1"/>
+              <a:t>hadoop.apache.org</a:t>
+            </a:r>
+            <a:r>
+              <a:rPr lang="en-US" sz="1600" dirty="0"/>
+              <a:t>/docs/stable/</a:t>
+            </a:r>
+            <a:r>
+              <a:rPr lang="en-US" sz="1600" dirty="0" err="1"/>
+              <a:t>hadoop</a:t>
+            </a:r>
+            <a:r>
+              <a:rPr lang="en-US" sz="1600" dirty="0"/>
+              <a:t>-yarn/</a:t>
+            </a:r>
+            <a:r>
+              <a:rPr lang="en-US" sz="1600" dirty="0" err="1"/>
+              <a:t>hadoop</a:t>
+            </a:r>
+            <a:r>
+              <a:rPr lang="en-US" sz="1600" dirty="0"/>
+              <a:t>-yarn-site/</a:t>
+            </a:r>
+            <a:r>
+              <a:rPr lang="en-US" sz="1600" dirty="0" err="1"/>
+              <a:t>YARN.html</a:t>
+            </a:r>
+            <a:endParaRPr lang="en-US" sz="1600" dirty="0"/>
+          </a:p>
+          <a:p>
+            <a:pPr>
+              <a:lnSpc>
+                <a:spcPct val="120000"/>
+              </a:lnSpc>
+            </a:pPr>
+            <a:r>
+              <a:rPr lang="en-US" sz="1600" dirty="0"/>
+              <a:t>[6] K. Gautam, “Understanding basics of HDFS and Yarn,” Understanding basics of HDFS and YARN - Cloudera Community - 248860, https://</a:t>
+            </a:r>
+            <a:r>
+              <a:rPr lang="en-US" sz="1600" dirty="0" err="1"/>
+              <a:t>community.cloudera.com</a:t>
+            </a:r>
+            <a:r>
+              <a:rPr lang="en-US" sz="1600" dirty="0"/>
+              <a:t>/t5/Community-Articles/Understanding-basics-of-HDFS-and-YARN/ta-p/248860</a:t>
             </a:r>
           </a:p>
         </p:txBody>
@@ -29494,7 +29322,7 @@
         <p:spPr>
           <a:xfrm>
             <a:off x="983432" y="1196752"/>
-            <a:ext cx="10297144" cy="923330"/>
+            <a:ext cx="10297144" cy="4524315"/>
           </a:xfrm>
           <a:prstGeom prst="rect">
             <a:avLst/>
@@ -29506,28 +29334,18 @@
           </a:bodyPr>
           <a:lstStyle/>
           <a:p>
-            <a:pPr marL="285750" indent="-285750">
+            <a:pPr>
               <a:spcAft>
                 <a:spcPts val="0"/>
               </a:spcAft>
-              <a:buFontTx/>
-              <a:buChar char="-"/>
             </a:pPr>
-            <a:r>
-              <a:rPr lang="en-AU" dirty="0" err="1">
-                <a:latin typeface="Arial" panose="020B0604020202020204" pitchFamily="34" charset="0"/>
-                <a:ea typeface="Calibri" panose="020F0502020204030204" pitchFamily="34" charset="0"/>
-                <a:cs typeface="Times New Roman" panose="02020603050405020304" pitchFamily="18" charset="0"/>
-              </a:rPr>
-              <a:t>Initally</a:t>
-            </a:r>
             <a:r>
               <a:rPr lang="en-AU" dirty="0">
                 <a:latin typeface="Arial" panose="020B0604020202020204" pitchFamily="34" charset="0"/>
                 <a:ea typeface="Calibri" panose="020F0502020204030204" pitchFamily="34" charset="0"/>
                 <a:cs typeface="Times New Roman" panose="02020603050405020304" pitchFamily="18" charset="0"/>
               </a:rPr>
-              <a:t> inspired by the Google Research MapReduce paper released in 2004 [2]</a:t>
+              <a:t>Goal: To allow efficient storage and processing of large data stores ranging into the Petabyte-scale</a:t>
             </a:r>
           </a:p>
           <a:p>
@@ -29543,6 +29361,160 @@
               <a:ea typeface="Calibri" panose="020F0502020204030204" pitchFamily="34" charset="0"/>
               <a:cs typeface="Times New Roman" panose="02020603050405020304" pitchFamily="18" charset="0"/>
             </a:endParaRPr>
+          </a:p>
+          <a:p>
+            <a:pPr>
+              <a:spcAft>
+                <a:spcPts val="0"/>
+              </a:spcAft>
+            </a:pPr>
+            <a:r>
+              <a:rPr lang="en-AU" dirty="0">
+                <a:latin typeface="Arial" panose="020B0604020202020204" pitchFamily="34" charset="0"/>
+                <a:ea typeface="Calibri" panose="020F0502020204030204" pitchFamily="34" charset="0"/>
+                <a:cs typeface="Times New Roman" panose="02020603050405020304" pitchFamily="18" charset="0"/>
+              </a:rPr>
+              <a:t>Initially inspired by the Google Research MapReduce paper released in 2004 [2]</a:t>
+            </a:r>
+          </a:p>
+          <a:p>
+            <a:pPr>
+              <a:spcAft>
+                <a:spcPts val="0"/>
+              </a:spcAft>
+            </a:pPr>
+            <a:endParaRPr lang="en-AU" dirty="0">
+              <a:latin typeface="Arial" panose="020B0604020202020204" pitchFamily="34" charset="0"/>
+              <a:ea typeface="Calibri" panose="020F0502020204030204" pitchFamily="34" charset="0"/>
+              <a:cs typeface="Times New Roman" panose="02020603050405020304" pitchFamily="18" charset="0"/>
+            </a:endParaRPr>
+          </a:p>
+          <a:p>
+            <a:pPr>
+              <a:spcAft>
+                <a:spcPts val="0"/>
+              </a:spcAft>
+            </a:pPr>
+            <a:r>
+              <a:rPr lang="en-AU" dirty="0">
+                <a:latin typeface="Arial" panose="020B0604020202020204" pitchFamily="34" charset="0"/>
+                <a:ea typeface="Calibri" panose="020F0502020204030204" pitchFamily="34" charset="0"/>
+                <a:cs typeface="Times New Roman" panose="02020603050405020304" pitchFamily="18" charset="0"/>
+              </a:rPr>
+              <a:t>Core concepts [3]:</a:t>
+            </a:r>
+          </a:p>
+          <a:p>
+            <a:pPr marL="742950" lvl="1" indent="-285750">
+              <a:buFontTx/>
+              <a:buChar char="-"/>
+            </a:pPr>
+            <a:r>
+              <a:rPr lang="en-AU" dirty="0">
+                <a:latin typeface="Arial" panose="020B0604020202020204" pitchFamily="34" charset="0"/>
+                <a:ea typeface="Calibri" panose="020F0502020204030204" pitchFamily="34" charset="0"/>
+                <a:cs typeface="Times New Roman" panose="02020603050405020304" pitchFamily="18" charset="0"/>
+              </a:rPr>
+              <a:t>MAP:</a:t>
+            </a:r>
+          </a:p>
+          <a:p>
+            <a:pPr marL="1200150" lvl="2" indent="-285750">
+              <a:buFontTx/>
+              <a:buChar char="-"/>
+            </a:pPr>
+            <a:r>
+              <a:rPr lang="en-AU" dirty="0">
+                <a:latin typeface="Arial" panose="020B0604020202020204" pitchFamily="34" charset="0"/>
+                <a:ea typeface="Calibri" panose="020F0502020204030204" pitchFamily="34" charset="0"/>
+                <a:cs typeface="Times New Roman" panose="02020603050405020304" pitchFamily="18" charset="0"/>
+              </a:rPr>
+              <a:t>Perform data selection, filtering and sorting/shuffling</a:t>
+            </a:r>
+          </a:p>
+          <a:p>
+            <a:pPr marL="1200150" lvl="2" indent="-285750">
+              <a:buFontTx/>
+              <a:buChar char="-"/>
+            </a:pPr>
+            <a:r>
+              <a:rPr lang="en-AU" dirty="0">
+                <a:latin typeface="Arial" panose="020B0604020202020204" pitchFamily="34" charset="0"/>
+                <a:ea typeface="Calibri" panose="020F0502020204030204" pitchFamily="34" charset="0"/>
+                <a:cs typeface="Times New Roman" panose="02020603050405020304" pitchFamily="18" charset="0"/>
+              </a:rPr>
+              <a:t>This step produces the data to be processed by the REDUCE step, allocated appropriately to the distributed worker nodes</a:t>
+            </a:r>
+          </a:p>
+          <a:p>
+            <a:pPr marL="742950" lvl="1" indent="-285750">
+              <a:buFontTx/>
+              <a:buChar char="-"/>
+            </a:pPr>
+            <a:r>
+              <a:rPr lang="en-AU" dirty="0">
+                <a:latin typeface="Arial" panose="020B0604020202020204" pitchFamily="34" charset="0"/>
+                <a:ea typeface="Calibri" panose="020F0502020204030204" pitchFamily="34" charset="0"/>
+                <a:cs typeface="Times New Roman" panose="02020603050405020304" pitchFamily="18" charset="0"/>
+              </a:rPr>
+              <a:t>REDUCE:</a:t>
+            </a:r>
+          </a:p>
+          <a:p>
+            <a:pPr marL="1200150" lvl="2" indent="-285750">
+              <a:buFontTx/>
+              <a:buChar char="-"/>
+            </a:pPr>
+            <a:r>
+              <a:rPr lang="en-AU" dirty="0">
+                <a:latin typeface="Arial" panose="020B0604020202020204" pitchFamily="34" charset="0"/>
+                <a:ea typeface="Calibri" panose="020F0502020204030204" pitchFamily="34" charset="0"/>
+                <a:cs typeface="Times New Roman" panose="02020603050405020304" pitchFamily="18" charset="0"/>
+              </a:rPr>
+              <a:t>Perform aggregates, calculations and summaries across the data</a:t>
+            </a:r>
+          </a:p>
+          <a:p>
+            <a:pPr marL="1200150" lvl="2" indent="-285750">
+              <a:buFontTx/>
+              <a:buChar char="-"/>
+            </a:pPr>
+            <a:r>
+              <a:rPr lang="en-AU" dirty="0">
+                <a:latin typeface="Arial" panose="020B0604020202020204" pitchFamily="34" charset="0"/>
+                <a:ea typeface="Calibri" panose="020F0502020204030204" pitchFamily="34" charset="0"/>
+                <a:cs typeface="Times New Roman" panose="02020603050405020304" pitchFamily="18" charset="0"/>
+              </a:rPr>
+              <a:t>Writes the processing result to the permanent distributed data store.</a:t>
+            </a:r>
+          </a:p>
+          <a:p>
+            <a:pPr marL="742950" lvl="1" indent="-285750">
+              <a:buFontTx/>
+              <a:buChar char="-"/>
+            </a:pPr>
+            <a:endParaRPr lang="en-AU" dirty="0">
+              <a:latin typeface="Arial" panose="020B0604020202020204" pitchFamily="34" charset="0"/>
+              <a:ea typeface="Calibri" panose="020F0502020204030204" pitchFamily="34" charset="0"/>
+              <a:cs typeface="Times New Roman" panose="02020603050405020304" pitchFamily="18" charset="0"/>
+            </a:endParaRPr>
+          </a:p>
+          <a:p>
+            <a:endParaRPr lang="en-AU" dirty="0">
+              <a:latin typeface="Arial" panose="020B0604020202020204" pitchFamily="34" charset="0"/>
+              <a:ea typeface="Calibri" panose="020F0502020204030204" pitchFamily="34" charset="0"/>
+              <a:cs typeface="Times New Roman" panose="02020603050405020304" pitchFamily="18" charset="0"/>
+            </a:endParaRPr>
+          </a:p>
+          <a:p>
+            <a:r>
+              <a:rPr lang="en-AU" dirty="0">
+                <a:latin typeface="Arial" panose="020B0604020202020204" pitchFamily="34" charset="0"/>
+                <a:ea typeface="Calibri" panose="020F0502020204030204" pitchFamily="34" charset="0"/>
+                <a:cs typeface="Times New Roman" panose="02020603050405020304" pitchFamily="18" charset="0"/>
+              </a:rPr>
+              <a:t>This MapReduce framework allows for efficient horizontal partitioning of both compute and data</a:t>
+            </a:r>
           </a:p>
           <a:p>
             <a:pPr marL="285750" indent="-285750">
@@ -29689,7 +29661,7 @@
         <p:spPr>
           <a:xfrm>
             <a:off x="4079776" y="141833"/>
-            <a:ext cx="4520789" cy="707886"/>
+            <a:ext cx="1952779" cy="707886"/>
           </a:xfrm>
           <a:prstGeom prst="rect">
             <a:avLst/>
@@ -29707,192 +29679,58 @@
                   <a:schemeClr val="bg1"/>
                 </a:solidFill>
               </a:rPr>
-              <a:t>Major Components</a:t>
-            </a:r>
-          </a:p>
-        </p:txBody>
-      </p:sp>
-      <p:sp>
-        <p:nvSpPr>
-          <p:cNvPr id="3" name="Rectangle 2">
-            <a:extLst>
-              <a:ext uri="{FF2B5EF4-FFF2-40B4-BE49-F238E27FC236}">
-                <a16:creationId xmlns:a16="http://schemas.microsoft.com/office/drawing/2014/main" id="{A14B3FBB-804D-FA6A-CF7A-B64F2FD0AF31}"/>
-              </a:ext>
-            </a:extLst>
-          </p:cNvPr>
-          <p:cNvSpPr/>
+              <a:t>Context</a:t>
+            </a:r>
+          </a:p>
+        </p:txBody>
+      </p:sp>
+      <p:pic>
+        <p:nvPicPr>
+          <p:cNvPr id="2" name="Picture 1">
+            <a:extLst>
+              <a:ext uri="{FF2B5EF4-FFF2-40B4-BE49-F238E27FC236}">
+                <a16:creationId xmlns:a16="http://schemas.microsoft.com/office/drawing/2014/main" id="{E3CBD499-FDB6-4D47-DFFC-9AEA64FC284D}"/>
+              </a:ext>
+            </a:extLst>
+          </p:cNvPr>
+          <p:cNvPicPr>
+            <a:picLocks noChangeAspect="1"/>
+          </p:cNvPicPr>
           <p:nvPr/>
-        </p:nvSpPr>
+        </p:nvPicPr>
+        <p:blipFill>
+          <a:blip r:embed="rId3"/>
+          <a:stretch>
+            <a:fillRect/>
+          </a:stretch>
+        </p:blipFill>
         <p:spPr>
           <a:xfrm>
-            <a:off x="983432" y="1196752"/>
-            <a:ext cx="10297144" cy="3447098"/>
+            <a:off x="2048571" y="1196752"/>
+            <a:ext cx="7772400" cy="3970462"/>
           </a:xfrm>
           <a:prstGeom prst="rect">
             <a:avLst/>
           </a:prstGeom>
         </p:spPr>
-        <p:txBody>
-          <a:bodyPr wrap="square">
-            <a:spAutoFit/>
-          </a:bodyPr>
-          <a:lstStyle/>
-          <a:p>
-            <a:pPr>
-              <a:spcAft>
-                <a:spcPts val="0"/>
-              </a:spcAft>
-            </a:pPr>
-            <a:r>
-              <a:rPr lang="en-AU" sz="2400" b="1" dirty="0">
-                <a:latin typeface="Arial" panose="020B0604020202020204" pitchFamily="34" charset="0"/>
-                <a:ea typeface="Calibri" panose="020F0502020204030204" pitchFamily="34" charset="0"/>
-                <a:cs typeface="Times New Roman" panose="02020603050405020304" pitchFamily="18" charset="0"/>
-              </a:rPr>
-              <a:t>Resource Component (YARN – Yet Another Resource Negotiator)</a:t>
-            </a:r>
-            <a:endParaRPr lang="en-AU" sz="3200" b="1" dirty="0">
-              <a:latin typeface="Arial" panose="020B0604020202020204" pitchFamily="34" charset="0"/>
-              <a:ea typeface="Calibri" panose="020F0502020204030204" pitchFamily="34" charset="0"/>
-              <a:cs typeface="Times New Roman" panose="02020603050405020304" pitchFamily="18" charset="0"/>
-            </a:endParaRPr>
-          </a:p>
-          <a:p>
-            <a:pPr>
-              <a:spcAft>
-                <a:spcPts val="0"/>
-              </a:spcAft>
-            </a:pPr>
-            <a:r>
-              <a:rPr lang="en-AU" sz="1600" dirty="0">
-                <a:latin typeface="Arial" panose="020B0604020202020204" pitchFamily="34" charset="0"/>
-                <a:ea typeface="Calibri" panose="020F0502020204030204" pitchFamily="34" charset="0"/>
-                <a:cs typeface="Times New Roman" panose="02020603050405020304" pitchFamily="18" charset="0"/>
-              </a:rPr>
-              <a:t>Responsible for resource management within the cluster. Allows for resource allocation according to CPU and Memory constraints of the nodes.</a:t>
-            </a:r>
-            <a:endParaRPr lang="en-AU" sz="2400" dirty="0">
-              <a:latin typeface="Arial" panose="020B0604020202020204" pitchFamily="34" charset="0"/>
-              <a:ea typeface="Calibri" panose="020F0502020204030204" pitchFamily="34" charset="0"/>
-              <a:cs typeface="Times New Roman" panose="02020603050405020304" pitchFamily="18" charset="0"/>
-            </a:endParaRPr>
-          </a:p>
-          <a:p>
-            <a:pPr>
-              <a:spcAft>
-                <a:spcPts val="0"/>
-              </a:spcAft>
-            </a:pPr>
-            <a:endParaRPr lang="en-AU" sz="2400" b="1" dirty="0">
-              <a:latin typeface="Arial" panose="020B0604020202020204" pitchFamily="34" charset="0"/>
-              <a:ea typeface="Calibri" panose="020F0502020204030204" pitchFamily="34" charset="0"/>
-              <a:cs typeface="Times New Roman" panose="02020603050405020304" pitchFamily="18" charset="0"/>
-            </a:endParaRPr>
-          </a:p>
-          <a:p>
-            <a:pPr>
-              <a:spcAft>
-                <a:spcPts val="0"/>
-              </a:spcAft>
-            </a:pPr>
-            <a:r>
-              <a:rPr lang="en-AU" sz="2400" b="1" dirty="0">
-                <a:latin typeface="Arial" panose="020B0604020202020204" pitchFamily="34" charset="0"/>
-                <a:ea typeface="Calibri" panose="020F0502020204030204" pitchFamily="34" charset="0"/>
-                <a:cs typeface="Times New Roman" panose="02020603050405020304" pitchFamily="18" charset="0"/>
-              </a:rPr>
-              <a:t>Data Component (HDFS – Hadoop Distributed File System)</a:t>
-            </a:r>
-            <a:endParaRPr lang="en-AU" b="1" dirty="0">
-              <a:latin typeface="Arial" panose="020B0604020202020204" pitchFamily="34" charset="0"/>
-              <a:ea typeface="Calibri" panose="020F0502020204030204" pitchFamily="34" charset="0"/>
-              <a:cs typeface="Times New Roman" panose="02020603050405020304" pitchFamily="18" charset="0"/>
-            </a:endParaRPr>
-          </a:p>
-          <a:p>
-            <a:pPr>
-              <a:spcAft>
-                <a:spcPts val="0"/>
-              </a:spcAft>
-            </a:pPr>
-            <a:r>
-              <a:rPr lang="en-AU" dirty="0">
-                <a:latin typeface="Arial" panose="020B0604020202020204" pitchFamily="34" charset="0"/>
-                <a:ea typeface="Calibri" panose="020F0502020204030204" pitchFamily="34" charset="0"/>
-                <a:cs typeface="Times New Roman" panose="02020603050405020304" pitchFamily="18" charset="0"/>
-              </a:rPr>
-              <a:t>Responsible for distributing data across the cluster. Allows for data partitioning across the cluster as well as replication of partitions between nodes for resiliency.</a:t>
-            </a:r>
-          </a:p>
-          <a:p>
-            <a:pPr>
-              <a:spcAft>
-                <a:spcPts val="0"/>
-              </a:spcAft>
-            </a:pPr>
-            <a:endParaRPr lang="en-AU" dirty="0">
-              <a:latin typeface="Arial" panose="020B0604020202020204" pitchFamily="34" charset="0"/>
-              <a:ea typeface="Calibri" panose="020F0502020204030204" pitchFamily="34" charset="0"/>
-              <a:cs typeface="Times New Roman" panose="02020603050405020304" pitchFamily="18" charset="0"/>
-            </a:endParaRPr>
-          </a:p>
-          <a:p>
-            <a:pPr>
-              <a:spcAft>
-                <a:spcPts val="0"/>
-              </a:spcAft>
-            </a:pPr>
-            <a:endParaRPr lang="en-AU" b="1" dirty="0">
-              <a:latin typeface="Arial" panose="020B0604020202020204" pitchFamily="34" charset="0"/>
-              <a:ea typeface="Calibri" panose="020F0502020204030204" pitchFamily="34" charset="0"/>
-              <a:cs typeface="Times New Roman" panose="02020603050405020304" pitchFamily="18" charset="0"/>
-            </a:endParaRPr>
-          </a:p>
-          <a:p>
-            <a:r>
-              <a:rPr lang="en-AU" sz="2400" b="1" dirty="0">
-                <a:latin typeface="Arial" panose="020B0604020202020204" pitchFamily="34" charset="0"/>
-                <a:ea typeface="Calibri" panose="020F0502020204030204" pitchFamily="34" charset="0"/>
-                <a:cs typeface="Times New Roman" panose="02020603050405020304" pitchFamily="18" charset="0"/>
-              </a:rPr>
-              <a:t>MapReduce Component (MapReduce)</a:t>
-            </a:r>
-          </a:p>
-          <a:p>
-            <a:pPr>
-              <a:spcAft>
-                <a:spcPts val="0"/>
-              </a:spcAft>
-            </a:pPr>
-            <a:r>
-              <a:rPr lang="en-AU" dirty="0">
-                <a:latin typeface="Arial" panose="020B0604020202020204" pitchFamily="34" charset="0"/>
-                <a:ea typeface="Calibri" panose="020F0502020204030204" pitchFamily="34" charset="0"/>
-                <a:cs typeface="Times New Roman" panose="02020603050405020304" pitchFamily="18" charset="0"/>
-              </a:rPr>
-              <a:t>Responsible for receiving, coordinating and processing MapReduce jobs and queries.</a:t>
-            </a:r>
-          </a:p>
-        </p:txBody>
-      </p:sp>
+      </p:pic>
     </p:spTree>
     <p:extLst>
       <p:ext uri="{BB962C8B-B14F-4D97-AF65-F5344CB8AC3E}">
-        <p14:creationId xmlns:p14="http://schemas.microsoft.com/office/powerpoint/2010/main" val="3461668100"/>
+        <p14:creationId xmlns:p14="http://schemas.microsoft.com/office/powerpoint/2010/main" val="2578679119"/>
       </p:ext>
     </p:extLst>
   </p:cSld>
   <p:clrMapOvr>
     <a:masterClrMapping/>
   </p:clrMapOvr>
-  <mc:AlternateContent xmlns:mc="http://schemas.openxmlformats.org/markup-compatibility/2006">
-    <mc:Choice xmlns:p14="http://schemas.microsoft.com/office/powerpoint/2010/main" Requires="p14">
+  <mc:AlternateContent xmlns:mc="http://schemas.openxmlformats.org/markup-compatibility/2006" xmlns:p14="http://schemas.microsoft.com/office/powerpoint/2010/main">
+    <mc:Choice Requires="p14">
       <p:transition spd="med" p14:dur="700">
         <p:fade/>
       </p:transition>
     </mc:Choice>
-    <mc:Fallback>
+    <mc:Fallback xmlns="">
       <p:transition spd="med">
         <p:fade/>
       </p:transition>
@@ -30005,7 +29843,7 @@
         <p:spPr>
           <a:xfrm>
             <a:off x="4079776" y="141833"/>
-            <a:ext cx="1494320" cy="707886"/>
+            <a:ext cx="4092787" cy="707886"/>
           </a:xfrm>
           <a:prstGeom prst="rect">
             <a:avLst/>
@@ -30023,7 +29861,7 @@
                   <a:schemeClr val="bg1"/>
                 </a:solidFill>
               </a:rPr>
-              <a:t>ASRs</a:t>
+              <a:t>Major Containers</a:t>
             </a:r>
           </a:p>
         </p:txBody>
@@ -30043,7 +29881,7 @@
         <p:spPr>
           <a:xfrm>
             <a:off x="983432" y="1196752"/>
-            <a:ext cx="10297144" cy="4062651"/>
+            <a:ext cx="10297144" cy="3693319"/>
           </a:xfrm>
           <a:prstGeom prst="rect">
             <a:avLst/>
@@ -30066,8 +29904,13 @@
                 <a:ea typeface="Calibri" panose="020F0502020204030204" pitchFamily="34" charset="0"/>
                 <a:cs typeface="Times New Roman" panose="02020603050405020304" pitchFamily="18" charset="0"/>
               </a:rPr>
-              <a:t>Resource Component</a:t>
-            </a:r>
+              <a:t>Resource Container (YARN – Yet Another Resource Negotiator)</a:t>
+            </a:r>
+            <a:endParaRPr lang="en-AU" sz="3200" b="1" dirty="0">
+              <a:latin typeface="Arial" panose="020B0604020202020204" pitchFamily="34" charset="0"/>
+              <a:ea typeface="Calibri" panose="020F0502020204030204" pitchFamily="34" charset="0"/>
+              <a:cs typeface="Times New Roman" panose="02020603050405020304" pitchFamily="18" charset="0"/>
+            </a:endParaRPr>
           </a:p>
           <a:p>
             <a:pPr>
@@ -30076,14 +29919,14 @@
               </a:spcAft>
             </a:pPr>
             <a:r>
-              <a:rPr lang="en-AU" dirty="0">
+              <a:rPr lang="en-AU" sz="1600" dirty="0">
                 <a:latin typeface="Arial" panose="020B0604020202020204" pitchFamily="34" charset="0"/>
                 <a:ea typeface="Calibri" panose="020F0502020204030204" pitchFamily="34" charset="0"/>
                 <a:cs typeface="Times New Roman" panose="02020603050405020304" pitchFamily="18" charset="0"/>
               </a:rPr>
-              <a:t>Performance: Work must be allocated effectively across the cluster to ensure resources are used optimally.</a:t>
-            </a:r>
-            <a:endParaRPr lang="en-AU" sz="2400" b="1" dirty="0">
+              <a:t>Responsible for resource management within the cluster. Allows for resource allocation according to CPU and Memory constraints of the nodes. This was introduced in Hadoop 2.0 to decouple resource management from the MapReduce container.</a:t>
+            </a:r>
+            <a:endParaRPr lang="en-AU" sz="2400" dirty="0">
               <a:latin typeface="Arial" panose="020B0604020202020204" pitchFamily="34" charset="0"/>
               <a:ea typeface="Calibri" panose="020F0502020204030204" pitchFamily="34" charset="0"/>
               <a:cs typeface="Times New Roman" panose="02020603050405020304" pitchFamily="18" charset="0"/>
@@ -30113,7 +29956,7 @@
                 <a:ea typeface="Calibri" panose="020F0502020204030204" pitchFamily="34" charset="0"/>
                 <a:cs typeface="Times New Roman" panose="02020603050405020304" pitchFamily="18" charset="0"/>
               </a:rPr>
-              <a:t>Data Component</a:t>
+              <a:t>Data Container (HDFS – Hadoop Distributed File System)</a:t>
             </a:r>
             <a:endParaRPr lang="en-AU" b="1" dirty="0">
               <a:latin typeface="Arial" panose="020B0604020202020204" pitchFamily="34" charset="0"/>
@@ -30133,7 +29976,7 @@
                 <a:ea typeface="Calibri" panose="020F0502020204030204" pitchFamily="34" charset="0"/>
                 <a:cs typeface="Times New Roman" panose="02020603050405020304" pitchFamily="18" charset="0"/>
               </a:rPr>
-              <a:t>Availability: The data must remain available even during hardware failure events.</a:t>
+              <a:t>Responsible for distributing data across the cluster. Allows for data partitioning across the cluster as well as replication of partitions between nodes for resiliency.</a:t>
             </a:r>
           </a:p>
           <a:p>
@@ -30142,29 +29985,11 @@
                 <a:spcPts val="0"/>
               </a:spcAft>
             </a:pPr>
-            <a:r>
-              <a:rPr lang="en-AU" dirty="0">
-                <a:latin typeface="Arial" panose="020B0604020202020204" pitchFamily="34" charset="0"/>
-                <a:ea typeface="Calibri" panose="020F0502020204030204" pitchFamily="34" charset="0"/>
-                <a:cs typeface="Times New Roman" panose="02020603050405020304" pitchFamily="18" charset="0"/>
-              </a:rPr>
-              <a:t>Scalability: The data storage must scale reliably into the terabyte and petabyte range.</a:t>
-            </a:r>
-          </a:p>
-          <a:p>
-            <a:pPr>
-              <a:spcAft>
-                <a:spcPts val="0"/>
-              </a:spcAft>
-            </a:pPr>
-            <a:r>
-              <a:rPr lang="en-AU" dirty="0">
-                <a:latin typeface="Arial" panose="020B0604020202020204" pitchFamily="34" charset="0"/>
-                <a:ea typeface="Calibri" panose="020F0502020204030204" pitchFamily="34" charset="0"/>
-                <a:cs typeface="Times New Roman" panose="02020603050405020304" pitchFamily="18" charset="0"/>
-              </a:rPr>
-              <a:t>Portability: The data component must be compatible with a wide array of hardware arrangements [3]</a:t>
-            </a:r>
+            <a:endParaRPr lang="en-AU" dirty="0">
+              <a:latin typeface="Arial" panose="020B0604020202020204" pitchFamily="34" charset="0"/>
+              <a:ea typeface="Calibri" panose="020F0502020204030204" pitchFamily="34" charset="0"/>
+              <a:cs typeface="Times New Roman" panose="02020603050405020304" pitchFamily="18" charset="0"/>
+            </a:endParaRPr>
           </a:p>
           <a:p>
             <a:pPr>
@@ -30185,62 +30010,43 @@
                 <a:ea typeface="Calibri" panose="020F0502020204030204" pitchFamily="34" charset="0"/>
                 <a:cs typeface="Times New Roman" panose="02020603050405020304" pitchFamily="18" charset="0"/>
               </a:rPr>
-              <a:t>MapReduce Component</a:t>
-            </a:r>
-          </a:p>
-          <a:p>
+              <a:t>MapReduce Container (MapReduce)</a:t>
+            </a:r>
+          </a:p>
+          <a:p>
+            <a:pPr>
+              <a:spcAft>
+                <a:spcPts val="0"/>
+              </a:spcAft>
+            </a:pPr>
             <a:r>
               <a:rPr lang="en-AU" dirty="0">
                 <a:latin typeface="Arial" panose="020B0604020202020204" pitchFamily="34" charset="0"/>
                 <a:ea typeface="Calibri" panose="020F0502020204030204" pitchFamily="34" charset="0"/>
                 <a:cs typeface="Times New Roman" panose="02020603050405020304" pitchFamily="18" charset="0"/>
               </a:rPr>
-              <a:t>Scalability: The MapReduce compute must scale horizontally across potentially thousands of nodes.</a:t>
-            </a:r>
-          </a:p>
-          <a:p>
-            <a:pPr>
-              <a:spcAft>
-                <a:spcPts val="0"/>
-              </a:spcAft>
-            </a:pPr>
-            <a:endParaRPr lang="en-AU" dirty="0">
-              <a:latin typeface="Arial" panose="020B0604020202020204" pitchFamily="34" charset="0"/>
-              <a:ea typeface="Calibri" panose="020F0502020204030204" pitchFamily="34" charset="0"/>
-              <a:cs typeface="Times New Roman" panose="02020603050405020304" pitchFamily="18" charset="0"/>
-            </a:endParaRPr>
-          </a:p>
-          <a:p>
-            <a:pPr>
-              <a:spcAft>
-                <a:spcPts val="0"/>
-              </a:spcAft>
-            </a:pPr>
-            <a:endParaRPr lang="en-AU" dirty="0">
-              <a:latin typeface="Arial" panose="020B0604020202020204" pitchFamily="34" charset="0"/>
-              <a:ea typeface="Calibri" panose="020F0502020204030204" pitchFamily="34" charset="0"/>
-              <a:cs typeface="Times New Roman" panose="02020603050405020304" pitchFamily="18" charset="0"/>
-            </a:endParaRPr>
+              <a:t>Responsible for receiving, coordinating and processing MapReduce jobs and queries.</a:t>
+            </a:r>
           </a:p>
         </p:txBody>
       </p:sp>
     </p:spTree>
     <p:extLst>
       <p:ext uri="{BB962C8B-B14F-4D97-AF65-F5344CB8AC3E}">
-        <p14:creationId xmlns:p14="http://schemas.microsoft.com/office/powerpoint/2010/main" val="2294320845"/>
+        <p14:creationId xmlns:p14="http://schemas.microsoft.com/office/powerpoint/2010/main" val="3461668100"/>
       </p:ext>
     </p:extLst>
   </p:cSld>
   <p:clrMapOvr>
     <a:masterClrMapping/>
   </p:clrMapOvr>
-  <mc:AlternateContent xmlns:mc="http://schemas.openxmlformats.org/markup-compatibility/2006">
-    <mc:Choice xmlns:p14="http://schemas.microsoft.com/office/powerpoint/2010/main" Requires="p14">
+  <mc:AlternateContent xmlns:mc="http://schemas.openxmlformats.org/markup-compatibility/2006" xmlns:p14="http://schemas.microsoft.com/office/powerpoint/2010/main">
+    <mc:Choice Requires="p14">
       <p:transition spd="med" p14:dur="700">
         <p:fade/>
       </p:transition>
     </mc:Choice>
-    <mc:Fallback>
+    <mc:Fallback xmlns="">
       <p:transition spd="med">
         <p:fade/>
       </p:transition>
@@ -30353,7 +30159,7 @@
         <p:spPr>
           <a:xfrm>
             <a:off x="4079776" y="141833"/>
-            <a:ext cx="4947188" cy="707886"/>
+            <a:ext cx="4092787" cy="707886"/>
           </a:xfrm>
           <a:prstGeom prst="rect">
             <a:avLst/>
@@ -30371,203 +30177,90 @@
                   <a:schemeClr val="bg1"/>
                 </a:solidFill>
               </a:rPr>
-              <a:t>Master-Slave Design</a:t>
-            </a:r>
-          </a:p>
-        </p:txBody>
-      </p:sp>
-      <p:sp>
-        <p:nvSpPr>
-          <p:cNvPr id="3" name="Rectangle 2">
-            <a:extLst>
-              <a:ext uri="{FF2B5EF4-FFF2-40B4-BE49-F238E27FC236}">
-                <a16:creationId xmlns:a16="http://schemas.microsoft.com/office/drawing/2014/main" id="{A14B3FBB-804D-FA6A-CF7A-B64F2FD0AF31}"/>
-              </a:ext>
-            </a:extLst>
-          </p:cNvPr>
-          <p:cNvSpPr/>
+              <a:t>Major Containers</a:t>
+            </a:r>
+          </a:p>
+        </p:txBody>
+      </p:sp>
+      <p:sp>
+        <p:nvSpPr>
+          <p:cNvPr id="4" name="TextBox 3">
+            <a:extLst>
+              <a:ext uri="{FF2B5EF4-FFF2-40B4-BE49-F238E27FC236}">
+                <a16:creationId xmlns:a16="http://schemas.microsoft.com/office/drawing/2014/main" id="{FFC88CD4-6583-8FED-C40D-DC331EA83C70}"/>
+              </a:ext>
+            </a:extLst>
+          </p:cNvPr>
+          <p:cNvSpPr txBox="1"/>
           <p:nvPr/>
         </p:nvSpPr>
         <p:spPr>
           <a:xfrm>
-            <a:off x="983432" y="1196752"/>
-            <a:ext cx="10297144" cy="3416320"/>
+            <a:off x="11069053" y="529389"/>
+            <a:ext cx="184731" cy="369332"/>
           </a:xfrm>
           <a:prstGeom prst="rect">
             <a:avLst/>
           </a:prstGeom>
-        </p:spPr>
-        <p:txBody>
-          <a:bodyPr wrap="square">
+          <a:noFill/>
+        </p:spPr>
+        <p:txBody>
+          <a:bodyPr wrap="none" rtlCol="0">
             <a:spAutoFit/>
           </a:bodyPr>
           <a:lstStyle/>
           <a:p>
-            <a:pPr>
-              <a:spcAft>
-                <a:spcPts val="0"/>
-              </a:spcAft>
-            </a:pPr>
-            <a:r>
-              <a:rPr lang="en-AU" dirty="0">
-                <a:latin typeface="Arial" panose="020B0604020202020204" pitchFamily="34" charset="0"/>
-                <a:ea typeface="Calibri" panose="020F0502020204030204" pitchFamily="34" charset="0"/>
-                <a:cs typeface="Times New Roman" panose="02020603050405020304" pitchFamily="18" charset="0"/>
-              </a:rPr>
-              <a:t>All three major components (resource, data, and MapReduce) have a similar scaling philosophy</a:t>
-            </a:r>
-          </a:p>
-          <a:p>
-            <a:pPr>
-              <a:spcAft>
-                <a:spcPts val="0"/>
-              </a:spcAft>
-            </a:pPr>
-            <a:endParaRPr lang="en-AU" dirty="0">
-              <a:latin typeface="Arial" panose="020B0604020202020204" pitchFamily="34" charset="0"/>
-              <a:ea typeface="Calibri" panose="020F0502020204030204" pitchFamily="34" charset="0"/>
-              <a:cs typeface="Times New Roman" panose="02020603050405020304" pitchFamily="18" charset="0"/>
-            </a:endParaRPr>
-          </a:p>
-          <a:p>
-            <a:pPr marL="285750" indent="-285750">
-              <a:spcAft>
-                <a:spcPts val="0"/>
-              </a:spcAft>
-              <a:buFontTx/>
-              <a:buChar char="-"/>
-            </a:pPr>
-            <a:r>
-              <a:rPr lang="en-AU" dirty="0">
-                <a:latin typeface="Arial" panose="020B0604020202020204" pitchFamily="34" charset="0"/>
-                <a:ea typeface="Calibri" panose="020F0502020204030204" pitchFamily="34" charset="0"/>
-                <a:cs typeface="Times New Roman" panose="02020603050405020304" pitchFamily="18" charset="0"/>
-              </a:rPr>
-              <a:t>All follow a master-slave architecture</a:t>
-            </a:r>
-          </a:p>
-          <a:p>
-            <a:pPr marL="742950" lvl="1" indent="-285750">
-              <a:buFontTx/>
-              <a:buChar char="-"/>
-            </a:pPr>
-            <a:r>
-              <a:rPr lang="en-AU" dirty="0">
-                <a:latin typeface="Arial" panose="020B0604020202020204" pitchFamily="34" charset="0"/>
-                <a:ea typeface="Calibri" panose="020F0502020204030204" pitchFamily="34" charset="0"/>
-                <a:cs typeface="Times New Roman" panose="02020603050405020304" pitchFamily="18" charset="0"/>
-              </a:rPr>
-              <a:t>The master component is deployed on one node in the cluster (additional master instances optional in case of failover)</a:t>
-            </a:r>
-          </a:p>
-          <a:p>
-            <a:pPr marL="285750" indent="-285750">
-              <a:spcAft>
-                <a:spcPts val="0"/>
-              </a:spcAft>
-              <a:buFontTx/>
-              <a:buChar char="-"/>
-            </a:pPr>
-            <a:r>
-              <a:rPr lang="en-AU" dirty="0">
-                <a:latin typeface="Arial" panose="020B0604020202020204" pitchFamily="34" charset="0"/>
-                <a:ea typeface="Calibri" panose="020F0502020204030204" pitchFamily="34" charset="0"/>
-                <a:cs typeface="Times New Roman" panose="02020603050405020304" pitchFamily="18" charset="0"/>
-              </a:rPr>
-              <a:t>All deploy homogenous slave components across all nodes in the cluster</a:t>
-            </a:r>
-          </a:p>
-          <a:p>
-            <a:pPr marL="285750" indent="-285750">
-              <a:spcAft>
-                <a:spcPts val="0"/>
-              </a:spcAft>
-              <a:buFontTx/>
-              <a:buChar char="-"/>
-            </a:pPr>
-            <a:r>
-              <a:rPr lang="en-AU" dirty="0">
-                <a:latin typeface="Arial" panose="020B0604020202020204" pitchFamily="34" charset="0"/>
-                <a:ea typeface="Calibri" panose="020F0502020204030204" pitchFamily="34" charset="0"/>
-                <a:cs typeface="Times New Roman" panose="02020603050405020304" pitchFamily="18" charset="0"/>
-              </a:rPr>
-              <a:t>The master components poll and direct the slave components to manage resource usage and scheduling</a:t>
-            </a:r>
-          </a:p>
-          <a:p>
-            <a:pPr marL="285750" indent="-285750">
-              <a:spcAft>
-                <a:spcPts val="0"/>
-              </a:spcAft>
-              <a:buFontTx/>
-              <a:buChar char="-"/>
-            </a:pPr>
-            <a:r>
-              <a:rPr lang="en-AU" dirty="0">
-                <a:latin typeface="Arial" panose="020B0604020202020204" pitchFamily="34" charset="0"/>
-                <a:ea typeface="Calibri" panose="020F0502020204030204" pitchFamily="34" charset="0"/>
-                <a:cs typeface="Times New Roman" panose="02020603050405020304" pitchFamily="18" charset="0"/>
-              </a:rPr>
-              <a:t>The slave components a responsible for a horizontal segment of the clusters work</a:t>
-            </a:r>
-          </a:p>
-          <a:p>
-            <a:pPr marL="285750" indent="-285750">
-              <a:spcAft>
-                <a:spcPts val="0"/>
-              </a:spcAft>
-              <a:buFontTx/>
-              <a:buChar char="-"/>
-            </a:pPr>
-            <a:endParaRPr lang="en-AU" dirty="0">
-              <a:latin typeface="Arial" panose="020B0604020202020204" pitchFamily="34" charset="0"/>
-              <a:ea typeface="Calibri" panose="020F0502020204030204" pitchFamily="34" charset="0"/>
-              <a:cs typeface="Times New Roman" panose="02020603050405020304" pitchFamily="18" charset="0"/>
-            </a:endParaRPr>
-          </a:p>
-          <a:p>
-            <a:pPr>
-              <a:spcAft>
-                <a:spcPts val="0"/>
-              </a:spcAft>
-            </a:pPr>
-            <a:endParaRPr lang="en-AU" dirty="0">
-              <a:latin typeface="Arial" panose="020B0604020202020204" pitchFamily="34" charset="0"/>
-              <a:ea typeface="Calibri" panose="020F0502020204030204" pitchFamily="34" charset="0"/>
-              <a:cs typeface="Times New Roman" panose="02020603050405020304" pitchFamily="18" charset="0"/>
-            </a:endParaRPr>
-          </a:p>
-          <a:p>
-            <a:pPr>
-              <a:spcAft>
-                <a:spcPts val="0"/>
-              </a:spcAft>
-            </a:pPr>
-            <a:endParaRPr lang="en-AU" dirty="0">
-              <a:latin typeface="Arial" panose="020B0604020202020204" pitchFamily="34" charset="0"/>
-              <a:ea typeface="Calibri" panose="020F0502020204030204" pitchFamily="34" charset="0"/>
-              <a:cs typeface="Times New Roman" panose="02020603050405020304" pitchFamily="18" charset="0"/>
-            </a:endParaRPr>
-          </a:p>
-        </p:txBody>
-      </p:sp>
+            <a:endParaRPr lang="en-US"/>
+          </a:p>
+        </p:txBody>
+      </p:sp>
+      <p:pic>
+        <p:nvPicPr>
+          <p:cNvPr id="7" name="Picture 6">
+            <a:extLst>
+              <a:ext uri="{FF2B5EF4-FFF2-40B4-BE49-F238E27FC236}">
+                <a16:creationId xmlns:a16="http://schemas.microsoft.com/office/drawing/2014/main" id="{0DC9CB14-604C-6A3B-34BB-D8B4C55DA1D4}"/>
+              </a:ext>
+            </a:extLst>
+          </p:cNvPr>
+          <p:cNvPicPr>
+            <a:picLocks noChangeAspect="1"/>
+          </p:cNvPicPr>
+          <p:nvPr/>
+        </p:nvPicPr>
+        <p:blipFill>
+          <a:blip r:embed="rId3"/>
+          <a:stretch>
+            <a:fillRect/>
+          </a:stretch>
+        </p:blipFill>
+        <p:spPr>
+          <a:xfrm>
+            <a:off x="0" y="714055"/>
+            <a:ext cx="12192000" cy="6170906"/>
+          </a:xfrm>
+          <a:prstGeom prst="rect">
+            <a:avLst/>
+          </a:prstGeom>
+        </p:spPr>
+      </p:pic>
     </p:spTree>
     <p:extLst>
       <p:ext uri="{BB962C8B-B14F-4D97-AF65-F5344CB8AC3E}">
-        <p14:creationId xmlns:p14="http://schemas.microsoft.com/office/powerpoint/2010/main" val="866898651"/>
+        <p14:creationId xmlns:p14="http://schemas.microsoft.com/office/powerpoint/2010/main" val="1886351452"/>
       </p:ext>
     </p:extLst>
   </p:cSld>
   <p:clrMapOvr>
     <a:masterClrMapping/>
   </p:clrMapOvr>
-  <mc:AlternateContent xmlns:mc="http://schemas.openxmlformats.org/markup-compatibility/2006">
-    <mc:Choice xmlns:p14="http://schemas.microsoft.com/office/powerpoint/2010/main" Requires="p14">
+  <mc:AlternateContent xmlns:mc="http://schemas.openxmlformats.org/markup-compatibility/2006" xmlns:p14="http://schemas.microsoft.com/office/powerpoint/2010/main">
+    <mc:Choice Requires="p14">
       <p:transition spd="med" p14:dur="700">
         <p:fade/>
       </p:transition>
     </mc:Choice>
-    <mc:Fallback>
+    <mc:Fallback xmlns="">
       <p:transition spd="med">
         <p:fade/>
       </p:transition>
@@ -30680,7 +30373,7 @@
         <p:spPr>
           <a:xfrm>
             <a:off x="4079776" y="141833"/>
-            <a:ext cx="3709990" cy="707886"/>
+            <a:ext cx="1494320" cy="707886"/>
           </a:xfrm>
           <a:prstGeom prst="rect">
             <a:avLst/>
@@ -30698,28 +30391,311 @@
                   <a:schemeClr val="bg1"/>
                 </a:solidFill>
               </a:rPr>
-              <a:t>TODO: Context</a:t>
-            </a:r>
+              <a:t>ASRs</a:t>
+            </a:r>
+          </a:p>
+        </p:txBody>
+      </p:sp>
+      <p:sp>
+        <p:nvSpPr>
+          <p:cNvPr id="3" name="Rectangle 2">
+            <a:extLst>
+              <a:ext uri="{FF2B5EF4-FFF2-40B4-BE49-F238E27FC236}">
+                <a16:creationId xmlns:a16="http://schemas.microsoft.com/office/drawing/2014/main" id="{A14B3FBB-804D-FA6A-CF7A-B64F2FD0AF31}"/>
+              </a:ext>
+            </a:extLst>
+          </p:cNvPr>
+          <p:cNvSpPr/>
+          <p:nvPr/>
+        </p:nvSpPr>
+        <p:spPr>
+          <a:xfrm>
+            <a:off x="983432" y="1196752"/>
+            <a:ext cx="10729192" cy="4985980"/>
+          </a:xfrm>
+          <a:prstGeom prst="rect">
+            <a:avLst/>
+          </a:prstGeom>
+        </p:spPr>
+        <p:txBody>
+          <a:bodyPr wrap="square">
+            <a:spAutoFit/>
+          </a:bodyPr>
+          <a:lstStyle/>
+          <a:p>
+            <a:pPr>
+              <a:spcAft>
+                <a:spcPts val="0"/>
+              </a:spcAft>
+            </a:pPr>
+            <a:r>
+              <a:rPr lang="en-AU" sz="2400" b="1" dirty="0">
+                <a:latin typeface="Arial" panose="020B0604020202020204" pitchFamily="34" charset="0"/>
+                <a:ea typeface="Calibri" panose="020F0502020204030204" pitchFamily="34" charset="0"/>
+                <a:cs typeface="Times New Roman" panose="02020603050405020304" pitchFamily="18" charset="0"/>
+              </a:rPr>
+              <a:t>Resource Container (YARN)</a:t>
+            </a:r>
+          </a:p>
+          <a:p>
+            <a:pPr>
+              <a:spcAft>
+                <a:spcPts val="0"/>
+              </a:spcAft>
+            </a:pPr>
+            <a:r>
+              <a:rPr lang="en-AU" b="1" dirty="0">
+                <a:latin typeface="Arial" panose="020B0604020202020204" pitchFamily="34" charset="0"/>
+                <a:ea typeface="Calibri" panose="020F0502020204030204" pitchFamily="34" charset="0"/>
+                <a:cs typeface="Times New Roman" panose="02020603050405020304" pitchFamily="18" charset="0"/>
+              </a:rPr>
+              <a:t>Efficiency</a:t>
+            </a:r>
+            <a:r>
+              <a:rPr lang="en-AU" dirty="0">
+                <a:latin typeface="Arial" panose="020B0604020202020204" pitchFamily="34" charset="0"/>
+                <a:ea typeface="Calibri" panose="020F0502020204030204" pitchFamily="34" charset="0"/>
+                <a:cs typeface="Times New Roman" panose="02020603050405020304" pitchFamily="18" charset="0"/>
+              </a:rPr>
+              <a:t>: Work must be spread out across the cluster to ensure resources are used optimally.</a:t>
+            </a:r>
+          </a:p>
+          <a:p>
+            <a:pPr>
+              <a:spcAft>
+                <a:spcPts val="0"/>
+              </a:spcAft>
+            </a:pPr>
+            <a:r>
+              <a:rPr lang="en-AU" b="1" dirty="0">
+                <a:latin typeface="Arial" panose="020B0604020202020204" pitchFamily="34" charset="0"/>
+                <a:ea typeface="Calibri" panose="020F0502020204030204" pitchFamily="34" charset="0"/>
+                <a:cs typeface="Times New Roman" panose="02020603050405020304" pitchFamily="18" charset="0"/>
+              </a:rPr>
+              <a:t>Performance</a:t>
+            </a:r>
+            <a:r>
+              <a:rPr lang="en-AU" dirty="0">
+                <a:latin typeface="Arial" panose="020B0604020202020204" pitchFamily="34" charset="0"/>
+                <a:ea typeface="Calibri" panose="020F0502020204030204" pitchFamily="34" charset="0"/>
+                <a:cs typeface="Times New Roman" panose="02020603050405020304" pitchFamily="18" charset="0"/>
+              </a:rPr>
+              <a:t>: Work must be allocated effectively across the cluster to allow for performant horizontal scaling and reduce bottlenecks.</a:t>
+            </a:r>
+            <a:endParaRPr lang="en-AU" sz="2400" b="1" dirty="0">
+              <a:latin typeface="Arial" panose="020B0604020202020204" pitchFamily="34" charset="0"/>
+              <a:ea typeface="Calibri" panose="020F0502020204030204" pitchFamily="34" charset="0"/>
+              <a:cs typeface="Times New Roman" panose="02020603050405020304" pitchFamily="18" charset="0"/>
+            </a:endParaRPr>
+          </a:p>
+          <a:p>
+            <a:pPr>
+              <a:spcAft>
+                <a:spcPts val="0"/>
+              </a:spcAft>
+            </a:pPr>
+            <a:endParaRPr lang="en-AU" sz="2400" b="1" dirty="0">
+              <a:latin typeface="Arial" panose="020B0604020202020204" pitchFamily="34" charset="0"/>
+              <a:ea typeface="Calibri" panose="020F0502020204030204" pitchFamily="34" charset="0"/>
+              <a:cs typeface="Times New Roman" panose="02020603050405020304" pitchFamily="18" charset="0"/>
+            </a:endParaRPr>
+          </a:p>
+          <a:p>
+            <a:pPr>
+              <a:spcAft>
+                <a:spcPts val="0"/>
+              </a:spcAft>
+            </a:pPr>
+            <a:endParaRPr lang="en-AU" sz="2400" b="1" dirty="0">
+              <a:latin typeface="Arial" panose="020B0604020202020204" pitchFamily="34" charset="0"/>
+              <a:ea typeface="Calibri" panose="020F0502020204030204" pitchFamily="34" charset="0"/>
+              <a:cs typeface="Times New Roman" panose="02020603050405020304" pitchFamily="18" charset="0"/>
+            </a:endParaRPr>
+          </a:p>
+          <a:p>
+            <a:pPr>
+              <a:spcAft>
+                <a:spcPts val="0"/>
+              </a:spcAft>
+            </a:pPr>
+            <a:r>
+              <a:rPr lang="en-AU" sz="2400" b="1" dirty="0">
+                <a:latin typeface="Arial" panose="020B0604020202020204" pitchFamily="34" charset="0"/>
+                <a:ea typeface="Calibri" panose="020F0502020204030204" pitchFamily="34" charset="0"/>
+                <a:cs typeface="Times New Roman" panose="02020603050405020304" pitchFamily="18" charset="0"/>
+              </a:rPr>
+              <a:t>Data Container (HDFS)</a:t>
+            </a:r>
+            <a:endParaRPr lang="en-AU" b="1" dirty="0">
+              <a:latin typeface="Arial" panose="020B0604020202020204" pitchFamily="34" charset="0"/>
+              <a:ea typeface="Calibri" panose="020F0502020204030204" pitchFamily="34" charset="0"/>
+              <a:cs typeface="Times New Roman" panose="02020603050405020304" pitchFamily="18" charset="0"/>
+            </a:endParaRPr>
+          </a:p>
+          <a:p>
+            <a:pPr>
+              <a:spcAft>
+                <a:spcPts val="0"/>
+              </a:spcAft>
+            </a:pPr>
+            <a:r>
+              <a:rPr lang="en-AU" b="1" dirty="0">
+                <a:latin typeface="Arial" panose="020B0604020202020204" pitchFamily="34" charset="0"/>
+                <a:ea typeface="Calibri" panose="020F0502020204030204" pitchFamily="34" charset="0"/>
+                <a:cs typeface="Times New Roman" panose="02020603050405020304" pitchFamily="18" charset="0"/>
+              </a:rPr>
+              <a:t>Availability</a:t>
+            </a:r>
+            <a:r>
+              <a:rPr lang="en-AU" dirty="0">
+                <a:latin typeface="Arial" panose="020B0604020202020204" pitchFamily="34" charset="0"/>
+                <a:ea typeface="Calibri" panose="020F0502020204030204" pitchFamily="34" charset="0"/>
+                <a:cs typeface="Times New Roman" panose="02020603050405020304" pitchFamily="18" charset="0"/>
+              </a:rPr>
+              <a:t>: The data must remain available even during hardware failure events.</a:t>
+            </a:r>
+          </a:p>
+          <a:p>
+            <a:pPr>
+              <a:spcAft>
+                <a:spcPts val="0"/>
+              </a:spcAft>
+            </a:pPr>
+            <a:r>
+              <a:rPr lang="en-AU" b="1" dirty="0">
+                <a:latin typeface="Arial" panose="020B0604020202020204" pitchFamily="34" charset="0"/>
+                <a:ea typeface="Calibri" panose="020F0502020204030204" pitchFamily="34" charset="0"/>
+                <a:cs typeface="Times New Roman" panose="02020603050405020304" pitchFamily="18" charset="0"/>
+              </a:rPr>
+              <a:t>Scalability</a:t>
+            </a:r>
+            <a:r>
+              <a:rPr lang="en-AU" dirty="0">
+                <a:latin typeface="Arial" panose="020B0604020202020204" pitchFamily="34" charset="0"/>
+                <a:ea typeface="Calibri" panose="020F0502020204030204" pitchFamily="34" charset="0"/>
+                <a:cs typeface="Times New Roman" panose="02020603050405020304" pitchFamily="18" charset="0"/>
+              </a:rPr>
+              <a:t>: The data storage must scale reliably into the terabyte and petabyte range.</a:t>
+            </a:r>
+          </a:p>
+          <a:p>
+            <a:pPr>
+              <a:spcAft>
+                <a:spcPts val="0"/>
+              </a:spcAft>
+            </a:pPr>
+            <a:r>
+              <a:rPr lang="en-AU" b="1" dirty="0">
+                <a:latin typeface="Arial" panose="020B0604020202020204" pitchFamily="34" charset="0"/>
+                <a:ea typeface="Calibri" panose="020F0502020204030204" pitchFamily="34" charset="0"/>
+                <a:cs typeface="Times New Roman" panose="02020603050405020304" pitchFamily="18" charset="0"/>
+              </a:rPr>
+              <a:t>Portability</a:t>
+            </a:r>
+            <a:r>
+              <a:rPr lang="en-AU" dirty="0">
+                <a:latin typeface="Arial" panose="020B0604020202020204" pitchFamily="34" charset="0"/>
+                <a:ea typeface="Calibri" panose="020F0502020204030204" pitchFamily="34" charset="0"/>
+                <a:cs typeface="Times New Roman" panose="02020603050405020304" pitchFamily="18" charset="0"/>
+              </a:rPr>
+              <a:t>: The data component must be compatible with a wide variety of hardware arrangements [4]</a:t>
+            </a:r>
+          </a:p>
+          <a:p>
+            <a:pPr>
+              <a:spcAft>
+                <a:spcPts val="0"/>
+              </a:spcAft>
+            </a:pPr>
+            <a:endParaRPr lang="en-AU" b="1" dirty="0">
+              <a:latin typeface="Arial" panose="020B0604020202020204" pitchFamily="34" charset="0"/>
+              <a:ea typeface="Calibri" panose="020F0502020204030204" pitchFamily="34" charset="0"/>
+              <a:cs typeface="Times New Roman" panose="02020603050405020304" pitchFamily="18" charset="0"/>
+            </a:endParaRPr>
+          </a:p>
+          <a:p>
+            <a:pPr>
+              <a:spcAft>
+                <a:spcPts val="0"/>
+              </a:spcAft>
+            </a:pPr>
+            <a:endParaRPr lang="en-AU" b="1" dirty="0">
+              <a:latin typeface="Arial" panose="020B0604020202020204" pitchFamily="34" charset="0"/>
+              <a:ea typeface="Calibri" panose="020F0502020204030204" pitchFamily="34" charset="0"/>
+              <a:cs typeface="Times New Roman" panose="02020603050405020304" pitchFamily="18" charset="0"/>
+            </a:endParaRPr>
+          </a:p>
+          <a:p>
+            <a:r>
+              <a:rPr lang="en-AU" sz="2400" b="1" dirty="0">
+                <a:latin typeface="Arial" panose="020B0604020202020204" pitchFamily="34" charset="0"/>
+                <a:ea typeface="Calibri" panose="020F0502020204030204" pitchFamily="34" charset="0"/>
+                <a:cs typeface="Times New Roman" panose="02020603050405020304" pitchFamily="18" charset="0"/>
+              </a:rPr>
+              <a:t>MapReduce Container</a:t>
+            </a:r>
+          </a:p>
+          <a:p>
+            <a:r>
+              <a:rPr lang="en-AU" b="1" dirty="0">
+                <a:latin typeface="Arial" panose="020B0604020202020204" pitchFamily="34" charset="0"/>
+                <a:ea typeface="Calibri" panose="020F0502020204030204" pitchFamily="34" charset="0"/>
+                <a:cs typeface="Times New Roman" panose="02020603050405020304" pitchFamily="18" charset="0"/>
+              </a:rPr>
+              <a:t>Scalability</a:t>
+            </a:r>
+            <a:r>
+              <a:rPr lang="en-AU" dirty="0">
+                <a:latin typeface="Arial" panose="020B0604020202020204" pitchFamily="34" charset="0"/>
+                <a:ea typeface="Calibri" panose="020F0502020204030204" pitchFamily="34" charset="0"/>
+                <a:cs typeface="Times New Roman" panose="02020603050405020304" pitchFamily="18" charset="0"/>
+              </a:rPr>
+              <a:t>: The MapReduce compute must scale horizontally across potentially thousands of nodes.</a:t>
+            </a:r>
+          </a:p>
+          <a:p>
+            <a:pPr>
+              <a:spcAft>
+                <a:spcPts val="0"/>
+              </a:spcAft>
+            </a:pPr>
+            <a:endParaRPr lang="en-AU" dirty="0">
+              <a:latin typeface="Arial" panose="020B0604020202020204" pitchFamily="34" charset="0"/>
+              <a:ea typeface="Calibri" panose="020F0502020204030204" pitchFamily="34" charset="0"/>
+              <a:cs typeface="Times New Roman" panose="02020603050405020304" pitchFamily="18" charset="0"/>
+            </a:endParaRPr>
+          </a:p>
+          <a:p>
+            <a:pPr>
+              <a:spcAft>
+                <a:spcPts val="0"/>
+              </a:spcAft>
+            </a:pPr>
+            <a:endParaRPr lang="en-AU" dirty="0">
+              <a:latin typeface="Arial" panose="020B0604020202020204" pitchFamily="34" charset="0"/>
+              <a:ea typeface="Calibri" panose="020F0502020204030204" pitchFamily="34" charset="0"/>
+              <a:cs typeface="Times New Roman" panose="02020603050405020304" pitchFamily="18" charset="0"/>
+            </a:endParaRPr>
           </a:p>
         </p:txBody>
       </p:sp>
     </p:spTree>
     <p:extLst>
       <p:ext uri="{BB962C8B-B14F-4D97-AF65-F5344CB8AC3E}">
-        <p14:creationId xmlns:p14="http://schemas.microsoft.com/office/powerpoint/2010/main" val="2578679119"/>
+        <p14:creationId xmlns:p14="http://schemas.microsoft.com/office/powerpoint/2010/main" val="2294320845"/>
       </p:ext>
     </p:extLst>
   </p:cSld>
   <p:clrMapOvr>
     <a:masterClrMapping/>
   </p:clrMapOvr>
-  <mc:AlternateContent xmlns:mc="http://schemas.openxmlformats.org/markup-compatibility/2006">
-    <mc:Choice xmlns:p14="http://schemas.microsoft.com/office/powerpoint/2010/main" Requires="p14">
+  <mc:AlternateContent xmlns:mc="http://schemas.openxmlformats.org/markup-compatibility/2006" xmlns:p14="http://schemas.microsoft.com/office/powerpoint/2010/main">
+    <mc:Choice Requires="p14">
       <p:transition spd="med" p14:dur="700">
         <p:fade/>
       </p:transition>
     </mc:Choice>
-    <mc:Fallback>
+    <mc:Fallback xmlns="">
       <p:transition spd="med">
         <p:fade/>
       </p:transition>
@@ -30832,7 +30808,7 @@
         <p:spPr>
           <a:xfrm>
             <a:off x="4079776" y="141833"/>
-            <a:ext cx="7047507" cy="707886"/>
+            <a:ext cx="4947188" cy="707886"/>
           </a:xfrm>
           <a:prstGeom prst="rect">
             <a:avLst/>
@@ -30850,94 +30826,203 @@
                   <a:schemeClr val="bg1"/>
                 </a:solidFill>
               </a:rPr>
-              <a:t>YARN (Resource Component)</a:t>
-            </a:r>
-          </a:p>
-        </p:txBody>
-      </p:sp>
-      <p:pic>
-        <p:nvPicPr>
-          <p:cNvPr id="4" name="Picture 3">
-            <a:extLst>
-              <a:ext uri="{FF2B5EF4-FFF2-40B4-BE49-F238E27FC236}">
-                <a16:creationId xmlns:a16="http://schemas.microsoft.com/office/drawing/2014/main" id="{E7F42D63-1168-EB57-8F06-94FB3F79BE10}"/>
-              </a:ext>
-            </a:extLst>
-          </p:cNvPr>
-          <p:cNvPicPr>
-            <a:picLocks noChangeAspect="1"/>
-          </p:cNvPicPr>
+              <a:t>Master-Slave Design</a:t>
+            </a:r>
+          </a:p>
+        </p:txBody>
+      </p:sp>
+      <p:sp>
+        <p:nvSpPr>
+          <p:cNvPr id="3" name="Rectangle 2">
+            <a:extLst>
+              <a:ext uri="{FF2B5EF4-FFF2-40B4-BE49-F238E27FC236}">
+                <a16:creationId xmlns:a16="http://schemas.microsoft.com/office/drawing/2014/main" id="{A14B3FBB-804D-FA6A-CF7A-B64F2FD0AF31}"/>
+              </a:ext>
+            </a:extLst>
+          </p:cNvPr>
+          <p:cNvSpPr/>
           <p:nvPr/>
-        </p:nvPicPr>
-        <p:blipFill>
-          <a:blip r:embed="rId3"/>
-          <a:stretch>
-            <a:fillRect/>
-          </a:stretch>
-        </p:blipFill>
+        </p:nvSpPr>
         <p:spPr>
           <a:xfrm>
-            <a:off x="2209800" y="1124744"/>
-            <a:ext cx="7772400" cy="5340096"/>
+            <a:off x="983432" y="1196752"/>
+            <a:ext cx="10297144" cy="3693319"/>
           </a:xfrm>
           <a:prstGeom prst="rect">
             <a:avLst/>
           </a:prstGeom>
         </p:spPr>
-      </p:pic>
-      <p:sp>
-        <p:nvSpPr>
-          <p:cNvPr id="12" name="TextBox 11">
-            <a:extLst>
-              <a:ext uri="{FF2B5EF4-FFF2-40B4-BE49-F238E27FC236}">
-                <a16:creationId xmlns:a16="http://schemas.microsoft.com/office/drawing/2014/main" id="{3F1821D8-CF65-5A83-57FE-E2A67AC46F28}"/>
-              </a:ext>
-            </a:extLst>
-          </p:cNvPr>
-          <p:cNvSpPr txBox="1"/>
-          <p:nvPr/>
-        </p:nvSpPr>
-        <p:spPr>
-          <a:xfrm>
-            <a:off x="9761627" y="5877272"/>
-            <a:ext cx="441146" cy="369332"/>
-          </a:xfrm>
-          <a:prstGeom prst="rect">
-            <a:avLst/>
-          </a:prstGeom>
-          <a:noFill/>
-        </p:spPr>
-        <p:txBody>
-          <a:bodyPr wrap="none" rtlCol="0">
+        <p:txBody>
+          <a:bodyPr wrap="square">
             <a:spAutoFit/>
           </a:bodyPr>
           <a:lstStyle/>
           <a:p>
-            <a:r>
-              <a:rPr lang="en-US"/>
-              <a:t>[4]</a:t>
-            </a:r>
-            <a:endParaRPr lang="en-US" dirty="0"/>
+            <a:pPr>
+              <a:spcAft>
+                <a:spcPts val="0"/>
+              </a:spcAft>
+            </a:pPr>
+            <a:r>
+              <a:rPr lang="en-AU" dirty="0">
+                <a:latin typeface="Arial" panose="020B0604020202020204" pitchFamily="34" charset="0"/>
+                <a:ea typeface="Calibri" panose="020F0502020204030204" pitchFamily="34" charset="0"/>
+                <a:cs typeface="Times New Roman" panose="02020603050405020304" pitchFamily="18" charset="0"/>
+              </a:rPr>
+              <a:t>All three major containers (YARN, HDFS, and MapReduce) have a similar scaling philosophy</a:t>
+            </a:r>
+          </a:p>
+          <a:p>
+            <a:pPr>
+              <a:spcAft>
+                <a:spcPts val="0"/>
+              </a:spcAft>
+            </a:pPr>
+            <a:endParaRPr lang="en-AU" dirty="0">
+              <a:latin typeface="Arial" panose="020B0604020202020204" pitchFamily="34" charset="0"/>
+              <a:ea typeface="Calibri" panose="020F0502020204030204" pitchFamily="34" charset="0"/>
+              <a:cs typeface="Times New Roman" panose="02020603050405020304" pitchFamily="18" charset="0"/>
+            </a:endParaRPr>
+          </a:p>
+          <a:p>
+            <a:pPr marL="285750" indent="-285750">
+              <a:spcAft>
+                <a:spcPts val="0"/>
+              </a:spcAft>
+              <a:buFontTx/>
+              <a:buChar char="-"/>
+            </a:pPr>
+            <a:r>
+              <a:rPr lang="en-AU" dirty="0">
+                <a:latin typeface="Arial" panose="020B0604020202020204" pitchFamily="34" charset="0"/>
+                <a:ea typeface="Calibri" panose="020F0502020204030204" pitchFamily="34" charset="0"/>
+                <a:cs typeface="Times New Roman" panose="02020603050405020304" pitchFamily="18" charset="0"/>
+              </a:rPr>
+              <a:t>All follow a master-slave architecture</a:t>
+            </a:r>
+          </a:p>
+          <a:p>
+            <a:pPr marL="742950" lvl="1" indent="-285750">
+              <a:buFontTx/>
+              <a:buChar char="-"/>
+            </a:pPr>
+            <a:r>
+              <a:rPr lang="en-AU" dirty="0">
+                <a:latin typeface="Arial" panose="020B0604020202020204" pitchFamily="34" charset="0"/>
+                <a:ea typeface="Calibri" panose="020F0502020204030204" pitchFamily="34" charset="0"/>
+                <a:cs typeface="Times New Roman" panose="02020603050405020304" pitchFamily="18" charset="0"/>
+              </a:rPr>
+              <a:t>The master component is deployed on one node in the cluster (additional master instances optional in case of failure)</a:t>
+            </a:r>
+          </a:p>
+          <a:p>
+            <a:pPr marL="285750" indent="-285750">
+              <a:spcAft>
+                <a:spcPts val="0"/>
+              </a:spcAft>
+              <a:buFontTx/>
+              <a:buChar char="-"/>
+            </a:pPr>
+            <a:r>
+              <a:rPr lang="en-AU" dirty="0">
+                <a:latin typeface="Arial" panose="020B0604020202020204" pitchFamily="34" charset="0"/>
+                <a:ea typeface="Calibri" panose="020F0502020204030204" pitchFamily="34" charset="0"/>
+                <a:cs typeface="Times New Roman" panose="02020603050405020304" pitchFamily="18" charset="0"/>
+              </a:rPr>
+              <a:t>All deploy homogenous slave components across all nodes in the cluster</a:t>
+            </a:r>
+          </a:p>
+          <a:p>
+            <a:pPr marL="285750" indent="-285750">
+              <a:spcAft>
+                <a:spcPts val="0"/>
+              </a:spcAft>
+              <a:buFontTx/>
+              <a:buChar char="-"/>
+            </a:pPr>
+            <a:r>
+              <a:rPr lang="en-AU" dirty="0">
+                <a:latin typeface="Arial" panose="020B0604020202020204" pitchFamily="34" charset="0"/>
+                <a:ea typeface="Calibri" panose="020F0502020204030204" pitchFamily="34" charset="0"/>
+                <a:cs typeface="Times New Roman" panose="02020603050405020304" pitchFamily="18" charset="0"/>
+              </a:rPr>
+              <a:t>The master components poll and direct the slave components to manage resource usage and scheduling</a:t>
+            </a:r>
+          </a:p>
+          <a:p>
+            <a:pPr marL="285750" indent="-285750">
+              <a:spcAft>
+                <a:spcPts val="0"/>
+              </a:spcAft>
+              <a:buFontTx/>
+              <a:buChar char="-"/>
+            </a:pPr>
+            <a:r>
+              <a:rPr lang="en-AU" dirty="0">
+                <a:latin typeface="Arial" panose="020B0604020202020204" pitchFamily="34" charset="0"/>
+                <a:ea typeface="Calibri" panose="020F0502020204030204" pitchFamily="34" charset="0"/>
+                <a:cs typeface="Times New Roman" panose="02020603050405020304" pitchFamily="18" charset="0"/>
+              </a:rPr>
+              <a:t>The slave components a responsible for a horizontal segment of the clusters work (both data storage and compute processing)</a:t>
+            </a:r>
+          </a:p>
+          <a:p>
+            <a:pPr marL="285750" indent="-285750">
+              <a:spcAft>
+                <a:spcPts val="0"/>
+              </a:spcAft>
+              <a:buFontTx/>
+              <a:buChar char="-"/>
+            </a:pPr>
+            <a:endParaRPr lang="en-AU" dirty="0">
+              <a:latin typeface="Arial" panose="020B0604020202020204" pitchFamily="34" charset="0"/>
+              <a:ea typeface="Calibri" panose="020F0502020204030204" pitchFamily="34" charset="0"/>
+              <a:cs typeface="Times New Roman" panose="02020603050405020304" pitchFamily="18" charset="0"/>
+            </a:endParaRPr>
+          </a:p>
+          <a:p>
+            <a:pPr>
+              <a:spcAft>
+                <a:spcPts val="0"/>
+              </a:spcAft>
+            </a:pPr>
+            <a:endParaRPr lang="en-AU" dirty="0">
+              <a:latin typeface="Arial" panose="020B0604020202020204" pitchFamily="34" charset="0"/>
+              <a:ea typeface="Calibri" panose="020F0502020204030204" pitchFamily="34" charset="0"/>
+              <a:cs typeface="Times New Roman" panose="02020603050405020304" pitchFamily="18" charset="0"/>
+            </a:endParaRPr>
+          </a:p>
+          <a:p>
+            <a:pPr>
+              <a:spcAft>
+                <a:spcPts val="0"/>
+              </a:spcAft>
+            </a:pPr>
+            <a:endParaRPr lang="en-AU" dirty="0">
+              <a:latin typeface="Arial" panose="020B0604020202020204" pitchFamily="34" charset="0"/>
+              <a:ea typeface="Calibri" panose="020F0502020204030204" pitchFamily="34" charset="0"/>
+              <a:cs typeface="Times New Roman" panose="02020603050405020304" pitchFamily="18" charset="0"/>
+            </a:endParaRPr>
           </a:p>
         </p:txBody>
       </p:sp>
     </p:spTree>
     <p:extLst>
       <p:ext uri="{BB962C8B-B14F-4D97-AF65-F5344CB8AC3E}">
-        <p14:creationId xmlns:p14="http://schemas.microsoft.com/office/powerpoint/2010/main" val="1073088584"/>
+        <p14:creationId xmlns:p14="http://schemas.microsoft.com/office/powerpoint/2010/main" val="866898651"/>
       </p:ext>
     </p:extLst>
   </p:cSld>
   <p:clrMapOvr>
     <a:masterClrMapping/>
   </p:clrMapOvr>
-  <mc:AlternateContent xmlns:mc="http://schemas.openxmlformats.org/markup-compatibility/2006">
-    <mc:Choice xmlns:p14="http://schemas.microsoft.com/office/powerpoint/2010/main" Requires="p14">
+  <mc:AlternateContent xmlns:mc="http://schemas.openxmlformats.org/markup-compatibility/2006" xmlns:p14="http://schemas.microsoft.com/office/powerpoint/2010/main">
+    <mc:Choice Requires="p14">
       <p:transition spd="med" p14:dur="700">
         <p:fade/>
       </p:transition>
     </mc:Choice>
-    <mc:Fallback>
+    <mc:Fallback xmlns="">
       <p:transition spd="med">
         <p:fade/>
       </p:transition>
@@ -30963,6 +31048,36 @@
           <a:chExt cx="0" cy="0"/>
         </a:xfrm>
       </p:grpSpPr>
+      <p:pic>
+        <p:nvPicPr>
+          <p:cNvPr id="7" name="Picture 6">
+            <a:extLst>
+              <a:ext uri="{FF2B5EF4-FFF2-40B4-BE49-F238E27FC236}">
+                <a16:creationId xmlns:a16="http://schemas.microsoft.com/office/drawing/2014/main" id="{6508707E-4475-C959-76FE-019CFB2C817F}"/>
+              </a:ext>
+            </a:extLst>
+          </p:cNvPr>
+          <p:cNvPicPr>
+            <a:picLocks noChangeAspect="1"/>
+          </p:cNvPicPr>
+          <p:nvPr/>
+        </p:nvPicPr>
+        <p:blipFill>
+          <a:blip r:embed="rId3"/>
+          <a:stretch>
+            <a:fillRect/>
+          </a:stretch>
+        </p:blipFill>
+        <p:spPr>
+          <a:xfrm>
+            <a:off x="3293058" y="965883"/>
+            <a:ext cx="5605883" cy="5877272"/>
+          </a:xfrm>
+          <a:prstGeom prst="rect">
+            <a:avLst/>
+          </a:prstGeom>
+        </p:spPr>
+      </p:pic>
       <p:sp>
         <p:nvSpPr>
           <p:cNvPr id="5" name="AutoShape 2" descr="Image result for images of question time"/>
@@ -31050,7 +31165,7 @@
         <p:spPr>
           <a:xfrm>
             <a:off x="4079776" y="141833"/>
-            <a:ext cx="5944256" cy="707886"/>
+            <a:ext cx="6859570" cy="707886"/>
           </a:xfrm>
           <a:prstGeom prst="rect">
             <a:avLst/>
@@ -31068,58 +31183,112 @@
                   <a:schemeClr val="bg1"/>
                 </a:solidFill>
               </a:rPr>
-              <a:t>HDFS (Data Component)</a:t>
-            </a:r>
-          </a:p>
-        </p:txBody>
-      </p:sp>
-      <p:pic>
-        <p:nvPicPr>
-          <p:cNvPr id="2" name="Picture 1">
-            <a:extLst>
-              <a:ext uri="{FF2B5EF4-FFF2-40B4-BE49-F238E27FC236}">
-                <a16:creationId xmlns:a16="http://schemas.microsoft.com/office/drawing/2014/main" id="{7D2031CB-2358-8987-6C63-3809B3FF510E}"/>
-              </a:ext>
-            </a:extLst>
-          </p:cNvPr>
-          <p:cNvPicPr>
-            <a:picLocks noChangeAspect="1"/>
-          </p:cNvPicPr>
+              <a:t>MapReduce Components 1.0</a:t>
+            </a:r>
+          </a:p>
+        </p:txBody>
+      </p:sp>
+      <p:sp>
+        <p:nvSpPr>
+          <p:cNvPr id="4" name="TextBox 3">
+            <a:extLst>
+              <a:ext uri="{FF2B5EF4-FFF2-40B4-BE49-F238E27FC236}">
+                <a16:creationId xmlns:a16="http://schemas.microsoft.com/office/drawing/2014/main" id="{EA954C41-3A0B-17F2-7A00-726C1167D866}"/>
+              </a:ext>
+            </a:extLst>
+          </p:cNvPr>
+          <p:cNvSpPr txBox="1"/>
           <p:nvPr/>
-        </p:nvPicPr>
-        <p:blipFill>
-          <a:blip r:embed="rId3"/>
-          <a:stretch>
-            <a:fillRect/>
-          </a:stretch>
-        </p:blipFill>
+        </p:nvSpPr>
         <p:spPr>
           <a:xfrm>
-            <a:off x="1199456" y="1091884"/>
-            <a:ext cx="9001000" cy="5039579"/>
+            <a:off x="5015880" y="2924944"/>
+            <a:ext cx="1800200" cy="1477328"/>
           </a:xfrm>
           <a:prstGeom prst="rect">
             <a:avLst/>
           </a:prstGeom>
-        </p:spPr>
-      </p:pic>
+          <a:noFill/>
+        </p:spPr>
+        <p:txBody>
+          <a:bodyPr wrap="square" rtlCol="0">
+            <a:spAutoFit/>
+          </a:bodyPr>
+          <a:lstStyle/>
+          <a:p>
+            <a:r>
+              <a:rPr lang="en-US" b="1" dirty="0"/>
+              <a:t>Job</a:t>
+            </a:r>
+            <a:r>
+              <a:rPr lang="en-US" dirty="0"/>
+              <a:t>: Complete MapReduce piece of work</a:t>
+            </a:r>
+          </a:p>
+          <a:p>
+            <a:endParaRPr lang="en-US" dirty="0"/>
+          </a:p>
+          <a:p>
+            <a:endParaRPr lang="en-US" dirty="0"/>
+          </a:p>
+        </p:txBody>
+      </p:sp>
+      <p:sp>
+        <p:nvSpPr>
+          <p:cNvPr id="9" name="TextBox 8">
+            <a:extLst>
+              <a:ext uri="{FF2B5EF4-FFF2-40B4-BE49-F238E27FC236}">
+                <a16:creationId xmlns:a16="http://schemas.microsoft.com/office/drawing/2014/main" id="{DC00FD03-A29D-75ED-891B-7B0F366977A4}"/>
+              </a:ext>
+            </a:extLst>
+          </p:cNvPr>
+          <p:cNvSpPr txBox="1"/>
+          <p:nvPr/>
+        </p:nvSpPr>
+        <p:spPr>
+          <a:xfrm>
+            <a:off x="8688288" y="5157192"/>
+            <a:ext cx="2804755" cy="923330"/>
+          </a:xfrm>
+          <a:prstGeom prst="rect">
+            <a:avLst/>
+          </a:prstGeom>
+          <a:noFill/>
+        </p:spPr>
+        <p:txBody>
+          <a:bodyPr wrap="square">
+            <a:spAutoFit/>
+          </a:bodyPr>
+          <a:lstStyle/>
+          <a:p>
+            <a:r>
+              <a:rPr lang="en-US" b="1" dirty="0"/>
+              <a:t>Task</a:t>
+            </a:r>
+            <a:r>
+              <a:rPr lang="en-US" dirty="0"/>
+              <a:t>: Map or Reduce task to be executed on a single node</a:t>
+            </a:r>
+          </a:p>
+        </p:txBody>
+      </p:sp>
     </p:spTree>
     <p:extLst>
       <p:ext uri="{BB962C8B-B14F-4D97-AF65-F5344CB8AC3E}">
-        <p14:creationId xmlns:p14="http://schemas.microsoft.com/office/powerpoint/2010/main" val="1296390611"/>
+        <p14:creationId xmlns:p14="http://schemas.microsoft.com/office/powerpoint/2010/main" val="35273188"/>
       </p:ext>
     </p:extLst>
   </p:cSld>
   <p:clrMapOvr>
     <a:masterClrMapping/>
   </p:clrMapOvr>
-  <mc:AlternateContent xmlns:mc="http://schemas.openxmlformats.org/markup-compatibility/2006">
-    <mc:Choice xmlns:p14="http://schemas.microsoft.com/office/powerpoint/2010/main" Requires="p14">
+  <mc:AlternateContent xmlns:mc="http://schemas.openxmlformats.org/markup-compatibility/2006" xmlns:p14="http://schemas.microsoft.com/office/powerpoint/2010/main">
+    <mc:Choice Requires="p14">
       <p:transition spd="med" p14:dur="700">
         <p:fade/>
       </p:transition>
     </mc:Choice>
-    <mc:Fallback>
+    <mc:Fallback xmlns="">
       <p:transition spd="med">
         <p:fade/>
       </p:transition>
@@ -31145,6 +31314,36 @@
           <a:chExt cx="0" cy="0"/>
         </a:xfrm>
       </p:grpSpPr>
+      <p:pic>
+        <p:nvPicPr>
+          <p:cNvPr id="2" name="Picture 1">
+            <a:extLst>
+              <a:ext uri="{FF2B5EF4-FFF2-40B4-BE49-F238E27FC236}">
+                <a16:creationId xmlns:a16="http://schemas.microsoft.com/office/drawing/2014/main" id="{65162613-D692-860F-6682-273470F49E2B}"/>
+              </a:ext>
+            </a:extLst>
+          </p:cNvPr>
+          <p:cNvPicPr>
+            <a:picLocks noChangeAspect="1"/>
+          </p:cNvPicPr>
+          <p:nvPr/>
+        </p:nvPicPr>
+        <p:blipFill>
+          <a:blip r:embed="rId3"/>
+          <a:stretch>
+            <a:fillRect/>
+          </a:stretch>
+        </p:blipFill>
+        <p:spPr>
+          <a:xfrm>
+            <a:off x="2963652" y="970103"/>
+            <a:ext cx="6264696" cy="5861065"/>
+          </a:xfrm>
+          <a:prstGeom prst="rect">
+            <a:avLst/>
+          </a:prstGeom>
+        </p:spPr>
+      </p:pic>
       <p:sp>
         <p:nvSpPr>
           <p:cNvPr id="5" name="AutoShape 2" descr="Image result for images of question time"/>
@@ -31232,7 +31431,7 @@
         <p:spPr>
           <a:xfrm>
             <a:off x="4079776" y="141833"/>
-            <a:ext cx="5747086" cy="707886"/>
+            <a:ext cx="6859570" cy="707886"/>
           </a:xfrm>
           <a:prstGeom prst="rect">
             <a:avLst/>
@@ -31250,57 +31449,27 @@
                   <a:schemeClr val="bg1"/>
                 </a:solidFill>
               </a:rPr>
-              <a:t>MapReduce Component</a:t>
-            </a:r>
-          </a:p>
-        </p:txBody>
-      </p:sp>
-      <p:pic>
-        <p:nvPicPr>
-          <p:cNvPr id="3" name="Picture 2">
-            <a:extLst>
-              <a:ext uri="{FF2B5EF4-FFF2-40B4-BE49-F238E27FC236}">
-                <a16:creationId xmlns:a16="http://schemas.microsoft.com/office/drawing/2014/main" id="{E0A3C623-6F54-4FF8-0BD8-876129ADD76D}"/>
-              </a:ext>
-            </a:extLst>
-          </p:cNvPr>
-          <p:cNvPicPr>
-            <a:picLocks noChangeAspect="1"/>
-          </p:cNvPicPr>
+              <a:t>MapReduce Components 2.0</a:t>
+            </a:r>
+          </a:p>
+        </p:txBody>
+      </p:sp>
+      <p:sp>
+        <p:nvSpPr>
+          <p:cNvPr id="3" name="TextBox 2">
+            <a:extLst>
+              <a:ext uri="{FF2B5EF4-FFF2-40B4-BE49-F238E27FC236}">
+                <a16:creationId xmlns:a16="http://schemas.microsoft.com/office/drawing/2014/main" id="{AF68FE2F-F0DD-9BE4-9A6D-443D69DD6D1C}"/>
+              </a:ext>
+            </a:extLst>
+          </p:cNvPr>
+          <p:cNvSpPr txBox="1"/>
           <p:nvPr/>
-        </p:nvPicPr>
-        <p:blipFill>
-          <a:blip r:embed="rId3"/>
-          <a:stretch>
-            <a:fillRect/>
-          </a:stretch>
-        </p:blipFill>
+        </p:nvSpPr>
         <p:spPr>
           <a:xfrm>
-            <a:off x="2063552" y="1340768"/>
-            <a:ext cx="7772400" cy="4981666"/>
-          </a:xfrm>
-          <a:prstGeom prst="rect">
-            <a:avLst/>
-          </a:prstGeom>
-        </p:spPr>
-      </p:pic>
-      <p:sp>
-        <p:nvSpPr>
-          <p:cNvPr id="4" name="TextBox 3">
-            <a:extLst>
-              <a:ext uri="{FF2B5EF4-FFF2-40B4-BE49-F238E27FC236}">
-                <a16:creationId xmlns:a16="http://schemas.microsoft.com/office/drawing/2014/main" id="{EA954C41-3A0B-17F2-7A00-726C1167D866}"/>
-              </a:ext>
-            </a:extLst>
-          </p:cNvPr>
-          <p:cNvSpPr txBox="1"/>
-          <p:nvPr/>
-        </p:nvSpPr>
-        <p:spPr>
-          <a:xfrm>
-            <a:off x="1919536" y="3284984"/>
-            <a:ext cx="3672408" cy="923330"/>
+            <a:off x="2567608" y="3900635"/>
+            <a:ext cx="697627" cy="369332"/>
           </a:xfrm>
           <a:prstGeom prst="rect">
             <a:avLst/>
@@ -31308,55 +31477,14 @@
           <a:noFill/>
         </p:spPr>
         <p:txBody>
-          <a:bodyPr wrap="square" rtlCol="0">
+          <a:bodyPr wrap="none" rtlCol="0">
             <a:spAutoFit/>
           </a:bodyPr>
           <a:lstStyle/>
           <a:p>
             <a:r>
               <a:rPr lang="en-US" dirty="0"/>
-              <a:t>Job: Complete MapReduce job</a:t>
-            </a:r>
-          </a:p>
-          <a:p>
-            <a:endParaRPr lang="en-US" dirty="0"/>
-          </a:p>
-          <a:p>
-            <a:endParaRPr lang="en-US" dirty="0"/>
-          </a:p>
-        </p:txBody>
-      </p:sp>
-      <p:sp>
-        <p:nvSpPr>
-          <p:cNvPr id="9" name="TextBox 8">
-            <a:extLst>
-              <a:ext uri="{FF2B5EF4-FFF2-40B4-BE49-F238E27FC236}">
-                <a16:creationId xmlns:a16="http://schemas.microsoft.com/office/drawing/2014/main" id="{DC00FD03-A29D-75ED-891B-7B0F366977A4}"/>
-              </a:ext>
-            </a:extLst>
-          </p:cNvPr>
-          <p:cNvSpPr txBox="1"/>
-          <p:nvPr/>
-        </p:nvSpPr>
-        <p:spPr>
-          <a:xfrm>
-            <a:off x="6891645" y="5194066"/>
-            <a:ext cx="3939108" cy="646331"/>
-          </a:xfrm>
-          <a:prstGeom prst="rect">
-            <a:avLst/>
-          </a:prstGeom>
-          <a:noFill/>
-        </p:spPr>
-        <p:txBody>
-          <a:bodyPr wrap="square">
-            <a:spAutoFit/>
-          </a:bodyPr>
-          <a:lstStyle/>
-          <a:p>
-            <a:r>
-              <a:rPr lang="en-US" dirty="0"/>
-              <a:t>Task: Map or Reduce task to be executed on a single node</a:t>
+              <a:t>[5][6]</a:t>
             </a:r>
           </a:p>
         </p:txBody>
@@ -31364,20 +31492,20 @@
     </p:spTree>
     <p:extLst>
       <p:ext uri="{BB962C8B-B14F-4D97-AF65-F5344CB8AC3E}">
-        <p14:creationId xmlns:p14="http://schemas.microsoft.com/office/powerpoint/2010/main" val="35273188"/>
+        <p14:creationId xmlns:p14="http://schemas.microsoft.com/office/powerpoint/2010/main" val="3963232271"/>
       </p:ext>
     </p:extLst>
   </p:cSld>
   <p:clrMapOvr>
     <a:masterClrMapping/>
   </p:clrMapOvr>
-  <mc:AlternateContent xmlns:mc="http://schemas.openxmlformats.org/markup-compatibility/2006">
-    <mc:Choice xmlns:p14="http://schemas.microsoft.com/office/powerpoint/2010/main" Requires="p14">
+  <mc:AlternateContent xmlns:mc="http://schemas.openxmlformats.org/markup-compatibility/2006" xmlns:p14="http://schemas.microsoft.com/office/powerpoint/2010/main">
+    <mc:Choice Requires="p14">
       <p:transition spd="med" p14:dur="700">
         <p:fade/>
       </p:transition>
     </mc:Choice>
-    <mc:Fallback>
+    <mc:Fallback xmlns="">
       <p:transition spd="med">
         <p:fade/>
       </p:transition>

--- a/hadoop-architecture-brook-queree.pptx
+++ b/hadoop-architecture-brook-queree.pptx
@@ -28728,7 +28728,7 @@
                 <a:ea typeface="Calibri" panose="020F0502020204030204" pitchFamily="34" charset="0"/>
                 <a:cs typeface="Times New Roman" panose="02020603050405020304" pitchFamily="18" charset="0"/>
               </a:rPr>
-              <a:t>YARN </a:t>
+              <a:t>YARN effectively decouples resource management and scheduling from the MapReduce logic</a:t>
             </a:r>
           </a:p>
           <a:p>

--- a/hadoop-architecture-brook-queree.pptx
+++ b/hadoop-architecture-brook-queree.pptx
@@ -264,7 +264,7 @@
           <a:p>
             <a:fld id="{412A36AD-C140-47B5-A0AA-2808AF1C1C9D}" type="datetimeFigureOut">
               <a:rPr lang="en-AU" smtClean="0"/>
-              <a:t>12/5/2024</a:t>
+              <a:t>5/6/2024</a:t>
             </a:fld>
             <a:endParaRPr lang="en-AU"/>
           </a:p>
@@ -429,7 +429,7 @@
           <a:p>
             <a:fld id="{2763829E-EB69-4A98-9D54-8D6822520B27}" type="datetimeFigureOut">
               <a:rPr lang="en-AU" smtClean="0"/>
-              <a:t>12/5/2024</a:t>
+              <a:t>5/6/2024</a:t>
             </a:fld>
             <a:endParaRPr lang="en-AU"/>
           </a:p>
@@ -27349,8 +27349,13 @@
             </a:pPr>
             <a:r>
               <a:rPr lang="en-AU" sz="3200" dirty="0"/>
-              <a:t>Brook Queree 48423384</a:t>
-            </a:r>
+              <a:t>Brook </a:t>
+            </a:r>
+            <a:r>
+              <a:rPr lang="en-AU" sz="3200" dirty="0" err="1"/>
+              <a:t>Queree</a:t>
+            </a:r>
+            <a:endParaRPr lang="en-AU" sz="3200" dirty="0"/>
           </a:p>
         </p:txBody>
       </p:sp>
